--- a/AIMBAT/AIMBAT.pptx
+++ b/AIMBAT/AIMBAT.pptx
@@ -6,6 +6,14 @@
   </p:sldMasterIdLst>
   <p:sldIdLst>
     <p:sldId id="256" r:id="rId2"/>
+    <p:sldId id="262" r:id="rId3"/>
+    <p:sldId id="257" r:id="rId4"/>
+    <p:sldId id="263" r:id="rId5"/>
+    <p:sldId id="259" r:id="rId6"/>
+    <p:sldId id="260" r:id="rId7"/>
+    <p:sldId id="264" r:id="rId8"/>
+    <p:sldId id="261" r:id="rId9"/>
+    <p:sldId id="258" r:id="rId10"/>
   </p:sldIdLst>
   <p:sldSz cx="9144000" cy="6858000" type="screen4x3"/>
   <p:notesSz cx="6858000" cy="9144000"/>
@@ -288,7 +296,7 @@
           <a:p>
             <a:fld id="{6EB5AF22-7E07-4B46-95AE-FB6A415E8F1F}" type="datetimeFigureOut">
               <a:rPr lang="en-US" smtClean="0"/>
-              <a:t>7/10/14</a:t>
+              <a:t>7/14/14</a:t>
             </a:fld>
             <a:endParaRPr lang="en-US"/>
           </a:p>
@@ -458,7 +466,7 @@
           <a:p>
             <a:fld id="{6EB5AF22-7E07-4B46-95AE-FB6A415E8F1F}" type="datetimeFigureOut">
               <a:rPr lang="en-US" smtClean="0"/>
-              <a:t>7/10/14</a:t>
+              <a:t>7/14/14</a:t>
             </a:fld>
             <a:endParaRPr lang="en-US"/>
           </a:p>
@@ -638,7 +646,7 @@
           <a:p>
             <a:fld id="{6EB5AF22-7E07-4B46-95AE-FB6A415E8F1F}" type="datetimeFigureOut">
               <a:rPr lang="en-US" smtClean="0"/>
-              <a:t>7/10/14</a:t>
+              <a:t>7/14/14</a:t>
             </a:fld>
             <a:endParaRPr lang="en-US"/>
           </a:p>
@@ -808,7 +816,7 @@
           <a:p>
             <a:fld id="{6EB5AF22-7E07-4B46-95AE-FB6A415E8F1F}" type="datetimeFigureOut">
               <a:rPr lang="en-US" smtClean="0"/>
-              <a:t>7/10/14</a:t>
+              <a:t>7/14/14</a:t>
             </a:fld>
             <a:endParaRPr lang="en-US"/>
           </a:p>
@@ -1054,7 +1062,7 @@
           <a:p>
             <a:fld id="{6EB5AF22-7E07-4B46-95AE-FB6A415E8F1F}" type="datetimeFigureOut">
               <a:rPr lang="en-US" smtClean="0"/>
-              <a:t>7/10/14</a:t>
+              <a:t>7/14/14</a:t>
             </a:fld>
             <a:endParaRPr lang="en-US"/>
           </a:p>
@@ -1342,7 +1350,7 @@
           <a:p>
             <a:fld id="{6EB5AF22-7E07-4B46-95AE-FB6A415E8F1F}" type="datetimeFigureOut">
               <a:rPr lang="en-US" smtClean="0"/>
-              <a:t>7/10/14</a:t>
+              <a:t>7/14/14</a:t>
             </a:fld>
             <a:endParaRPr lang="en-US"/>
           </a:p>
@@ -1764,7 +1772,7 @@
           <a:p>
             <a:fld id="{6EB5AF22-7E07-4B46-95AE-FB6A415E8F1F}" type="datetimeFigureOut">
               <a:rPr lang="en-US" smtClean="0"/>
-              <a:t>7/10/14</a:t>
+              <a:t>7/14/14</a:t>
             </a:fld>
             <a:endParaRPr lang="en-US"/>
           </a:p>
@@ -1882,7 +1890,7 @@
           <a:p>
             <a:fld id="{6EB5AF22-7E07-4B46-95AE-FB6A415E8F1F}" type="datetimeFigureOut">
               <a:rPr lang="en-US" smtClean="0"/>
-              <a:t>7/10/14</a:t>
+              <a:t>7/14/14</a:t>
             </a:fld>
             <a:endParaRPr lang="en-US"/>
           </a:p>
@@ -1977,7 +1985,7 @@
           <a:p>
             <a:fld id="{6EB5AF22-7E07-4B46-95AE-FB6A415E8F1F}" type="datetimeFigureOut">
               <a:rPr lang="en-US" smtClean="0"/>
-              <a:t>7/10/14</a:t>
+              <a:t>7/14/14</a:t>
             </a:fld>
             <a:endParaRPr lang="en-US"/>
           </a:p>
@@ -2254,7 +2262,7 @@
           <a:p>
             <a:fld id="{6EB5AF22-7E07-4B46-95AE-FB6A415E8F1F}" type="datetimeFigureOut">
               <a:rPr lang="en-US" smtClean="0"/>
-              <a:t>7/10/14</a:t>
+              <a:t>7/14/14</a:t>
             </a:fld>
             <a:endParaRPr lang="en-US"/>
           </a:p>
@@ -2507,7 +2515,7 @@
           <a:p>
             <a:fld id="{6EB5AF22-7E07-4B46-95AE-FB6A415E8F1F}" type="datetimeFigureOut">
               <a:rPr lang="en-US" smtClean="0"/>
-              <a:t>7/10/14</a:t>
+              <a:t>7/14/14</a:t>
             </a:fld>
             <a:endParaRPr lang="en-US"/>
           </a:p>
@@ -2720,7 +2728,7 @@
           <a:p>
             <a:fld id="{6EB5AF22-7E07-4B46-95AE-FB6A415E8F1F}" type="datetimeFigureOut">
               <a:rPr lang="en-US" smtClean="0"/>
-              <a:t>7/10/14</a:t>
+              <a:t>7/14/14</a:t>
             </a:fld>
             <a:endParaRPr lang="en-US"/>
           </a:p>
@@ -3143,11 +3151,7 @@
             </a:r>
             <a:r>
               <a:rPr lang="en-US" dirty="0" smtClean="0"/>
-              <a:t> </a:t>
-            </a:r>
-            <a:r>
-              <a:rPr lang="en-US" dirty="0" smtClean="0"/>
-              <a:t>Loh</a:t>
+              <a:t> Loh</a:t>
             </a:r>
           </a:p>
           <a:p>
@@ -3155,16 +3159,11 @@
               <a:rPr lang="en-US" dirty="0" smtClean="0"/>
               <a:t>Suzan van der Lee</a:t>
             </a:r>
-            <a:endParaRPr lang="en-US" dirty="0" smtClean="0"/>
           </a:p>
           <a:p>
             <a:r>
               <a:rPr lang="en-US" dirty="0" smtClean="0"/>
-              <a:t>August </a:t>
-            </a:r>
-            <a:r>
-              <a:rPr lang="en-US" dirty="0" smtClean="0"/>
-              <a:t>4, 2014</a:t>
+              <a:t>August 4, 2014</a:t>
             </a:r>
             <a:endParaRPr lang="en-US" dirty="0"/>
           </a:p>
@@ -3200,6 +3199,772 @@
     <p:extLst>
       <p:ext uri="{BB962C8B-B14F-4D97-AF65-F5344CB8AC3E}">
         <p14:creationId xmlns:p14="http://schemas.microsoft.com/office/powerpoint/2010/main" val="4101251583"/>
+      </p:ext>
+    </p:extLst>
+  </p:cSld>
+  <p:clrMapOvr>
+    <a:masterClrMapping/>
+  </p:clrMapOvr>
+</p:sld>
+</file>
+
+<file path=ppt/slides/slide2.xml><?xml version="1.0" encoding="utf-8"?>
+<p:sld xmlns:a="http://schemas.openxmlformats.org/drawingml/2006/main" xmlns:r="http://schemas.openxmlformats.org/officeDocument/2006/relationships" xmlns:p="http://schemas.openxmlformats.org/presentationml/2006/main">
+  <p:cSld>
+    <p:spTree>
+      <p:nvGrpSpPr>
+        <p:cNvPr id="1" name=""/>
+        <p:cNvGrpSpPr/>
+        <p:nvPr/>
+      </p:nvGrpSpPr>
+      <p:grpSpPr>
+        <a:xfrm>
+          <a:off x="0" y="0"/>
+          <a:ext cx="0" cy="0"/>
+          <a:chOff x="0" y="0"/>
+          <a:chExt cx="0" cy="0"/>
+        </a:xfrm>
+      </p:grpSpPr>
+      <p:sp>
+        <p:nvSpPr>
+          <p:cNvPr id="2" name="Title 1"/>
+          <p:cNvSpPr>
+            <a:spLocks noGrp="1"/>
+          </p:cNvSpPr>
+          <p:nvPr>
+            <p:ph type="title"/>
+          </p:nvPr>
+        </p:nvSpPr>
+        <p:spPr/>
+        <p:txBody>
+          <a:bodyPr/>
+          <a:lstStyle/>
+          <a:p>
+            <a:r>
+              <a:rPr lang="en-US" dirty="0" smtClean="0"/>
+              <a:t>Contents</a:t>
+            </a:r>
+            <a:endParaRPr lang="en-US" dirty="0"/>
+          </a:p>
+        </p:txBody>
+      </p:sp>
+      <p:sp>
+        <p:nvSpPr>
+          <p:cNvPr id="3" name="Content Placeholder 2"/>
+          <p:cNvSpPr>
+            <a:spLocks noGrp="1"/>
+          </p:cNvSpPr>
+          <p:nvPr>
+            <p:ph idx="1"/>
+          </p:nvPr>
+        </p:nvSpPr>
+        <p:spPr/>
+        <p:txBody>
+          <a:bodyPr/>
+          <a:lstStyle/>
+          <a:p>
+            <a:r>
+              <a:rPr lang="en-US" dirty="0" smtClean="0"/>
+              <a:t>Overview of AIMBAT</a:t>
+            </a:r>
+          </a:p>
+          <a:p>
+            <a:r>
+              <a:rPr lang="en-US" dirty="0" smtClean="0"/>
+              <a:t>Installing AIMBAT</a:t>
+            </a:r>
+          </a:p>
+          <a:p>
+            <a:r>
+              <a:rPr lang="en-US" dirty="0" smtClean="0"/>
+              <a:t>Using AIMBAT</a:t>
+            </a:r>
+          </a:p>
+        </p:txBody>
+      </p:sp>
+    </p:spTree>
+    <p:extLst>
+      <p:ext uri="{BB962C8B-B14F-4D97-AF65-F5344CB8AC3E}">
+        <p14:creationId xmlns:p14="http://schemas.microsoft.com/office/powerpoint/2010/main" val="2293902994"/>
+      </p:ext>
+    </p:extLst>
+  </p:cSld>
+  <p:clrMapOvr>
+    <a:masterClrMapping/>
+  </p:clrMapOvr>
+</p:sld>
+</file>
+
+<file path=ppt/slides/slide3.xml><?xml version="1.0" encoding="utf-8"?>
+<p:sld xmlns:a="http://schemas.openxmlformats.org/drawingml/2006/main" xmlns:r="http://schemas.openxmlformats.org/officeDocument/2006/relationships" xmlns:p="http://schemas.openxmlformats.org/presentationml/2006/main">
+  <p:cSld>
+    <p:spTree>
+      <p:nvGrpSpPr>
+        <p:cNvPr id="1" name=""/>
+        <p:cNvGrpSpPr/>
+        <p:nvPr/>
+      </p:nvGrpSpPr>
+      <p:grpSpPr>
+        <a:xfrm>
+          <a:off x="0" y="0"/>
+          <a:ext cx="0" cy="0"/>
+          <a:chOff x="0" y="0"/>
+          <a:chExt cx="0" cy="0"/>
+        </a:xfrm>
+      </p:grpSpPr>
+      <p:sp>
+        <p:nvSpPr>
+          <p:cNvPr id="2" name="Title 1"/>
+          <p:cNvSpPr>
+            <a:spLocks noGrp="1"/>
+          </p:cNvSpPr>
+          <p:nvPr>
+            <p:ph type="title"/>
+          </p:nvPr>
+        </p:nvSpPr>
+        <p:spPr/>
+        <p:txBody>
+          <a:bodyPr/>
+          <a:lstStyle/>
+          <a:p>
+            <a:r>
+              <a:rPr lang="en-US" dirty="0" smtClean="0"/>
+              <a:t>AIMBAT</a:t>
+            </a:r>
+            <a:endParaRPr lang="en-US" dirty="0"/>
+          </a:p>
+        </p:txBody>
+      </p:sp>
+      <p:sp>
+        <p:nvSpPr>
+          <p:cNvPr id="3" name="Content Placeholder 2"/>
+          <p:cNvSpPr>
+            <a:spLocks noGrp="1"/>
+          </p:cNvSpPr>
+          <p:nvPr>
+            <p:ph idx="1"/>
+          </p:nvPr>
+        </p:nvSpPr>
+        <p:spPr/>
+        <p:txBody>
+          <a:bodyPr/>
+          <a:lstStyle/>
+          <a:p>
+            <a:r>
+              <a:rPr lang="en-US" dirty="0" smtClean="0"/>
+              <a:t>Python tool for measuring </a:t>
+            </a:r>
+            <a:r>
+              <a:rPr lang="en-US" dirty="0" err="1" smtClean="0"/>
+              <a:t>teleseismic</a:t>
+            </a:r>
+            <a:r>
+              <a:rPr lang="en-US" dirty="0" smtClean="0"/>
+              <a:t> arrival times for large seismic arrays</a:t>
+            </a:r>
+          </a:p>
+          <a:p>
+            <a:r>
+              <a:rPr lang="en-US" dirty="0" smtClean="0"/>
+              <a:t>Open source</a:t>
+            </a:r>
+          </a:p>
+          <a:p>
+            <a:r>
+              <a:rPr lang="en-US" dirty="0" smtClean="0"/>
+              <a:t>Aligns seismograms by ICCS (iterative cross-correlation and stack)</a:t>
+            </a:r>
+          </a:p>
+          <a:p>
+            <a:r>
+              <a:rPr lang="en-US" dirty="0" smtClean="0"/>
+              <a:t>Picks arrival times by Multi-channel cross-correlation</a:t>
+            </a:r>
+          </a:p>
+          <a:p>
+            <a:r>
+              <a:rPr lang="en-US" dirty="0" smtClean="0"/>
+              <a:t>GUI for user to fine-tune arrival times</a:t>
+            </a:r>
+          </a:p>
+          <a:p>
+            <a:endParaRPr lang="en-US" dirty="0" smtClean="0"/>
+          </a:p>
+          <a:p>
+            <a:endParaRPr lang="en-US" dirty="0" smtClean="0"/>
+          </a:p>
+          <a:p>
+            <a:endParaRPr lang="en-US" dirty="0"/>
+          </a:p>
+        </p:txBody>
+      </p:sp>
+    </p:spTree>
+    <p:extLst>
+      <p:ext uri="{BB962C8B-B14F-4D97-AF65-F5344CB8AC3E}">
+        <p14:creationId xmlns:p14="http://schemas.microsoft.com/office/powerpoint/2010/main" val="2470419815"/>
+      </p:ext>
+    </p:extLst>
+  </p:cSld>
+  <p:clrMapOvr>
+    <a:masterClrMapping/>
+  </p:clrMapOvr>
+</p:sld>
+</file>
+
+<file path=ppt/slides/slide4.xml><?xml version="1.0" encoding="utf-8"?>
+<p:sld xmlns:a="http://schemas.openxmlformats.org/drawingml/2006/main" xmlns:r="http://schemas.openxmlformats.org/officeDocument/2006/relationships" xmlns:p="http://schemas.openxmlformats.org/presentationml/2006/main">
+  <p:cSld>
+    <p:spTree>
+      <p:nvGrpSpPr>
+        <p:cNvPr id="1" name=""/>
+        <p:cNvGrpSpPr/>
+        <p:nvPr/>
+      </p:nvGrpSpPr>
+      <p:grpSpPr>
+        <a:xfrm>
+          <a:off x="0" y="0"/>
+          <a:ext cx="0" cy="0"/>
+          <a:chOff x="0" y="0"/>
+          <a:chExt cx="0" cy="0"/>
+        </a:xfrm>
+      </p:grpSpPr>
+      <p:sp>
+        <p:nvSpPr>
+          <p:cNvPr id="2" name="Title 1"/>
+          <p:cNvSpPr>
+            <a:spLocks noGrp="1"/>
+          </p:cNvSpPr>
+          <p:nvPr>
+            <p:ph type="title"/>
+          </p:nvPr>
+        </p:nvSpPr>
+        <p:spPr/>
+        <p:txBody>
+          <a:bodyPr/>
+          <a:lstStyle/>
+          <a:p>
+            <a:r>
+              <a:rPr lang="en-US" dirty="0" smtClean="0"/>
+              <a:t>Contents</a:t>
+            </a:r>
+            <a:endParaRPr lang="en-US" dirty="0"/>
+          </a:p>
+        </p:txBody>
+      </p:sp>
+      <p:sp>
+        <p:nvSpPr>
+          <p:cNvPr id="3" name="Content Placeholder 2"/>
+          <p:cNvSpPr>
+            <a:spLocks noGrp="1"/>
+          </p:cNvSpPr>
+          <p:nvPr>
+            <p:ph idx="1"/>
+          </p:nvPr>
+        </p:nvSpPr>
+        <p:spPr/>
+        <p:txBody>
+          <a:bodyPr/>
+          <a:lstStyle/>
+          <a:p>
+            <a:r>
+              <a:rPr lang="en-US" dirty="0" smtClean="0"/>
+              <a:t>Overview of AIMBAT</a:t>
+            </a:r>
+          </a:p>
+          <a:p>
+            <a:r>
+              <a:rPr lang="en-US" dirty="0" smtClean="0"/>
+              <a:t>Installing AIMBAT</a:t>
+            </a:r>
+          </a:p>
+          <a:p>
+            <a:r>
+              <a:rPr lang="en-US" dirty="0" smtClean="0"/>
+              <a:t>Using AIMBAT</a:t>
+            </a:r>
+          </a:p>
+        </p:txBody>
+      </p:sp>
+    </p:spTree>
+    <p:extLst>
+      <p:ext uri="{BB962C8B-B14F-4D97-AF65-F5344CB8AC3E}">
+        <p14:creationId xmlns:p14="http://schemas.microsoft.com/office/powerpoint/2010/main" val="2957004957"/>
+      </p:ext>
+    </p:extLst>
+  </p:cSld>
+  <p:clrMapOvr>
+    <a:masterClrMapping/>
+  </p:clrMapOvr>
+</p:sld>
+</file>
+
+<file path=ppt/slides/slide5.xml><?xml version="1.0" encoding="utf-8"?>
+<p:sld xmlns:a="http://schemas.openxmlformats.org/drawingml/2006/main" xmlns:r="http://schemas.openxmlformats.org/officeDocument/2006/relationships" xmlns:p="http://schemas.openxmlformats.org/presentationml/2006/main">
+  <p:cSld>
+    <p:spTree>
+      <p:nvGrpSpPr>
+        <p:cNvPr id="1" name=""/>
+        <p:cNvGrpSpPr/>
+        <p:nvPr/>
+      </p:nvGrpSpPr>
+      <p:grpSpPr>
+        <a:xfrm>
+          <a:off x="0" y="0"/>
+          <a:ext cx="0" cy="0"/>
+          <a:chOff x="0" y="0"/>
+          <a:chExt cx="0" cy="0"/>
+        </a:xfrm>
+      </p:grpSpPr>
+      <p:sp>
+        <p:nvSpPr>
+          <p:cNvPr id="2" name="Title 1"/>
+          <p:cNvSpPr>
+            <a:spLocks noGrp="1"/>
+          </p:cNvSpPr>
+          <p:nvPr>
+            <p:ph type="title"/>
+          </p:nvPr>
+        </p:nvSpPr>
+        <p:spPr/>
+        <p:txBody>
+          <a:bodyPr/>
+          <a:lstStyle/>
+          <a:p>
+            <a:r>
+              <a:rPr lang="en-US" dirty="0" smtClean="0"/>
+              <a:t>Installing AIMBAT dependencies</a:t>
+            </a:r>
+            <a:endParaRPr lang="en-US" dirty="0"/>
+          </a:p>
+        </p:txBody>
+      </p:sp>
+      <p:sp>
+        <p:nvSpPr>
+          <p:cNvPr id="5" name="Content Placeholder 4"/>
+          <p:cNvSpPr>
+            <a:spLocks noGrp="1"/>
+          </p:cNvSpPr>
+          <p:nvPr>
+            <p:ph idx="1"/>
+          </p:nvPr>
+        </p:nvSpPr>
+        <p:spPr/>
+        <p:txBody>
+          <a:bodyPr/>
+          <a:lstStyle/>
+          <a:p>
+            <a:r>
+              <a:rPr lang="en-US" dirty="0" smtClean="0"/>
+              <a:t>Python</a:t>
+            </a:r>
+          </a:p>
+          <a:p>
+            <a:r>
+              <a:rPr lang="en-US" dirty="0" smtClean="0"/>
+              <a:t>Python </a:t>
+            </a:r>
+            <a:r>
+              <a:rPr lang="en-US" dirty="0" err="1" smtClean="0"/>
+              <a:t>basemap</a:t>
+            </a:r>
+            <a:endParaRPr lang="en-US" dirty="0" smtClean="0"/>
+          </a:p>
+        </p:txBody>
+      </p:sp>
+    </p:spTree>
+    <p:extLst>
+      <p:ext uri="{BB962C8B-B14F-4D97-AF65-F5344CB8AC3E}">
+        <p14:creationId xmlns:p14="http://schemas.microsoft.com/office/powerpoint/2010/main" val="1126176899"/>
+      </p:ext>
+    </p:extLst>
+  </p:cSld>
+  <p:clrMapOvr>
+    <a:masterClrMapping/>
+  </p:clrMapOvr>
+</p:sld>
+</file>
+
+<file path=ppt/slides/slide6.xml><?xml version="1.0" encoding="utf-8"?>
+<p:sld xmlns:a="http://schemas.openxmlformats.org/drawingml/2006/main" xmlns:r="http://schemas.openxmlformats.org/officeDocument/2006/relationships" xmlns:p="http://schemas.openxmlformats.org/presentationml/2006/main">
+  <p:cSld>
+    <p:spTree>
+      <p:nvGrpSpPr>
+        <p:cNvPr id="1" name=""/>
+        <p:cNvGrpSpPr/>
+        <p:nvPr/>
+      </p:nvGrpSpPr>
+      <p:grpSpPr>
+        <a:xfrm>
+          <a:off x="0" y="0"/>
+          <a:ext cx="0" cy="0"/>
+          <a:chOff x="0" y="0"/>
+          <a:chExt cx="0" cy="0"/>
+        </a:xfrm>
+      </p:grpSpPr>
+      <p:sp>
+        <p:nvSpPr>
+          <p:cNvPr id="4" name="Title 3"/>
+          <p:cNvSpPr>
+            <a:spLocks noGrp="1"/>
+          </p:cNvSpPr>
+          <p:nvPr>
+            <p:ph type="title"/>
+          </p:nvPr>
+        </p:nvSpPr>
+        <p:spPr/>
+        <p:txBody>
+          <a:bodyPr/>
+          <a:lstStyle/>
+          <a:p>
+            <a:r>
+              <a:rPr lang="en-US" dirty="0" smtClean="0"/>
+              <a:t>Installing AIMBAT</a:t>
+            </a:r>
+            <a:endParaRPr lang="en-US" dirty="0"/>
+          </a:p>
+        </p:txBody>
+      </p:sp>
+      <p:sp>
+        <p:nvSpPr>
+          <p:cNvPr id="6" name="Content Placeholder 5"/>
+          <p:cNvSpPr>
+            <a:spLocks noGrp="1"/>
+          </p:cNvSpPr>
+          <p:nvPr>
+            <p:ph idx="1"/>
+          </p:nvPr>
+        </p:nvSpPr>
+        <p:spPr/>
+        <p:txBody>
+          <a:bodyPr/>
+          <a:lstStyle/>
+          <a:p>
+            <a:r>
+              <a:rPr lang="en-US" dirty="0" smtClean="0"/>
+              <a:t>Install </a:t>
+            </a:r>
+            <a:r>
+              <a:rPr lang="en-US" dirty="0" err="1" smtClean="0"/>
+              <a:t>pysmo.sac</a:t>
+            </a:r>
+            <a:endParaRPr lang="en-US" dirty="0" smtClean="0"/>
+          </a:p>
+          <a:p>
+            <a:r>
+              <a:rPr lang="en-US" dirty="0" smtClean="0"/>
+              <a:t>Install </a:t>
+            </a:r>
+            <a:r>
+              <a:rPr lang="en-US" dirty="0" err="1" smtClean="0"/>
+              <a:t>pysmo.aimbat</a:t>
+            </a:r>
+            <a:r>
+              <a:rPr lang="en-US" dirty="0" smtClean="0"/>
+              <a:t> </a:t>
+            </a:r>
+            <a:endParaRPr lang="en-US" dirty="0"/>
+          </a:p>
+        </p:txBody>
+      </p:sp>
+    </p:spTree>
+    <p:extLst>
+      <p:ext uri="{BB962C8B-B14F-4D97-AF65-F5344CB8AC3E}">
+        <p14:creationId xmlns:p14="http://schemas.microsoft.com/office/powerpoint/2010/main" val="3426339041"/>
+      </p:ext>
+    </p:extLst>
+  </p:cSld>
+  <p:clrMapOvr>
+    <a:masterClrMapping/>
+  </p:clrMapOvr>
+</p:sld>
+</file>
+
+<file path=ppt/slides/slide7.xml><?xml version="1.0" encoding="utf-8"?>
+<p:sld xmlns:a="http://schemas.openxmlformats.org/drawingml/2006/main" xmlns:r="http://schemas.openxmlformats.org/officeDocument/2006/relationships" xmlns:p="http://schemas.openxmlformats.org/presentationml/2006/main">
+  <p:cSld>
+    <p:spTree>
+      <p:nvGrpSpPr>
+        <p:cNvPr id="1" name=""/>
+        <p:cNvGrpSpPr/>
+        <p:nvPr/>
+      </p:nvGrpSpPr>
+      <p:grpSpPr>
+        <a:xfrm>
+          <a:off x="0" y="0"/>
+          <a:ext cx="0" cy="0"/>
+          <a:chOff x="0" y="0"/>
+          <a:chExt cx="0" cy="0"/>
+        </a:xfrm>
+      </p:grpSpPr>
+      <p:sp>
+        <p:nvSpPr>
+          <p:cNvPr id="2" name="Title 1"/>
+          <p:cNvSpPr>
+            <a:spLocks noGrp="1"/>
+          </p:cNvSpPr>
+          <p:nvPr>
+            <p:ph type="title"/>
+          </p:nvPr>
+        </p:nvSpPr>
+        <p:spPr/>
+        <p:txBody>
+          <a:bodyPr/>
+          <a:lstStyle/>
+          <a:p>
+            <a:r>
+              <a:rPr lang="en-US" dirty="0" smtClean="0"/>
+              <a:t>Contents</a:t>
+            </a:r>
+            <a:endParaRPr lang="en-US" dirty="0"/>
+          </a:p>
+        </p:txBody>
+      </p:sp>
+      <p:sp>
+        <p:nvSpPr>
+          <p:cNvPr id="3" name="Content Placeholder 2"/>
+          <p:cNvSpPr>
+            <a:spLocks noGrp="1"/>
+          </p:cNvSpPr>
+          <p:nvPr>
+            <p:ph idx="1"/>
+          </p:nvPr>
+        </p:nvSpPr>
+        <p:spPr/>
+        <p:txBody>
+          <a:bodyPr/>
+          <a:lstStyle/>
+          <a:p>
+            <a:r>
+              <a:rPr lang="en-US" dirty="0" smtClean="0"/>
+              <a:t>Overview of AIMBAT</a:t>
+            </a:r>
+          </a:p>
+          <a:p>
+            <a:r>
+              <a:rPr lang="en-US" dirty="0" smtClean="0"/>
+              <a:t>Installing AIMBAT</a:t>
+            </a:r>
+          </a:p>
+          <a:p>
+            <a:r>
+              <a:rPr lang="en-US" dirty="0" smtClean="0"/>
+              <a:t>Using AIMBAT</a:t>
+            </a:r>
+          </a:p>
+        </p:txBody>
+      </p:sp>
+    </p:spTree>
+    <p:extLst>
+      <p:ext uri="{BB962C8B-B14F-4D97-AF65-F5344CB8AC3E}">
+        <p14:creationId xmlns:p14="http://schemas.microsoft.com/office/powerpoint/2010/main" val="2957004957"/>
+      </p:ext>
+    </p:extLst>
+  </p:cSld>
+  <p:clrMapOvr>
+    <a:masterClrMapping/>
+  </p:clrMapOvr>
+</p:sld>
+</file>
+
+<file path=ppt/slides/slide8.xml><?xml version="1.0" encoding="utf-8"?>
+<p:sld xmlns:a="http://schemas.openxmlformats.org/drawingml/2006/main" xmlns:r="http://schemas.openxmlformats.org/officeDocument/2006/relationships" xmlns:p="http://schemas.openxmlformats.org/presentationml/2006/main">
+  <p:cSld>
+    <p:spTree>
+      <p:nvGrpSpPr>
+        <p:cNvPr id="1" name=""/>
+        <p:cNvGrpSpPr/>
+        <p:nvPr/>
+      </p:nvGrpSpPr>
+      <p:grpSpPr>
+        <a:xfrm>
+          <a:off x="0" y="0"/>
+          <a:ext cx="0" cy="0"/>
+          <a:chOff x="0" y="0"/>
+          <a:chExt cx="0" cy="0"/>
+        </a:xfrm>
+      </p:grpSpPr>
+      <p:sp>
+        <p:nvSpPr>
+          <p:cNvPr id="2" name="Title 1"/>
+          <p:cNvSpPr>
+            <a:spLocks noGrp="1"/>
+          </p:cNvSpPr>
+          <p:nvPr>
+            <p:ph type="title"/>
+          </p:nvPr>
+        </p:nvSpPr>
+        <p:spPr/>
+        <p:txBody>
+          <a:bodyPr/>
+          <a:lstStyle/>
+          <a:p>
+            <a:endParaRPr lang="en-US" dirty="0"/>
+          </a:p>
+        </p:txBody>
+      </p:sp>
+      <p:sp>
+        <p:nvSpPr>
+          <p:cNvPr id="3" name="Content Placeholder 2"/>
+          <p:cNvSpPr>
+            <a:spLocks noGrp="1"/>
+          </p:cNvSpPr>
+          <p:nvPr>
+            <p:ph idx="1"/>
+          </p:nvPr>
+        </p:nvSpPr>
+        <p:spPr/>
+        <p:txBody>
+          <a:bodyPr/>
+          <a:lstStyle/>
+          <a:p>
+            <a:endParaRPr lang="en-US"/>
+          </a:p>
+        </p:txBody>
+      </p:sp>
+    </p:spTree>
+    <p:extLst>
+      <p:ext uri="{BB962C8B-B14F-4D97-AF65-F5344CB8AC3E}">
+        <p14:creationId xmlns:p14="http://schemas.microsoft.com/office/powerpoint/2010/main" val="2969269703"/>
+      </p:ext>
+    </p:extLst>
+  </p:cSld>
+  <p:clrMapOvr>
+    <a:masterClrMapping/>
+  </p:clrMapOvr>
+</p:sld>
+</file>
+
+<file path=ppt/slides/slide9.xml><?xml version="1.0" encoding="utf-8"?>
+<p:sld xmlns:a="http://schemas.openxmlformats.org/drawingml/2006/main" xmlns:r="http://schemas.openxmlformats.org/officeDocument/2006/relationships" xmlns:p="http://schemas.openxmlformats.org/presentationml/2006/main">
+  <p:cSld>
+    <p:spTree>
+      <p:nvGrpSpPr>
+        <p:cNvPr id="1" name=""/>
+        <p:cNvGrpSpPr/>
+        <p:nvPr/>
+      </p:nvGrpSpPr>
+      <p:grpSpPr>
+        <a:xfrm>
+          <a:off x="0" y="0"/>
+          <a:ext cx="0" cy="0"/>
+          <a:chOff x="0" y="0"/>
+          <a:chExt cx="0" cy="0"/>
+        </a:xfrm>
+      </p:grpSpPr>
+      <p:sp>
+        <p:nvSpPr>
+          <p:cNvPr id="2" name="Title 1"/>
+          <p:cNvSpPr>
+            <a:spLocks noGrp="1"/>
+          </p:cNvSpPr>
+          <p:nvPr>
+            <p:ph type="title"/>
+          </p:nvPr>
+        </p:nvSpPr>
+        <p:spPr/>
+        <p:txBody>
+          <a:bodyPr/>
+          <a:lstStyle/>
+          <a:p>
+            <a:r>
+              <a:rPr lang="en-US" dirty="0" smtClean="0"/>
+              <a:t>Resources</a:t>
+            </a:r>
+            <a:endParaRPr lang="en-US" dirty="0"/>
+          </a:p>
+        </p:txBody>
+      </p:sp>
+      <p:sp>
+        <p:nvSpPr>
+          <p:cNvPr id="3" name="Content Placeholder 2"/>
+          <p:cNvSpPr>
+            <a:spLocks noGrp="1"/>
+          </p:cNvSpPr>
+          <p:nvPr>
+            <p:ph idx="1"/>
+          </p:nvPr>
+        </p:nvSpPr>
+        <p:spPr/>
+        <p:txBody>
+          <a:bodyPr/>
+          <a:lstStyle/>
+          <a:p>
+            <a:r>
+              <a:rPr lang="en-US" dirty="0"/>
+              <a:t>Official page: </a:t>
+            </a:r>
+            <a:r>
+              <a:rPr lang="en-US" dirty="0">
+                <a:hlinkClick r:id="rId2"/>
+              </a:rPr>
+              <a:t>http://www.earth.northwestern.edu/~xlou/</a:t>
+            </a:r>
+            <a:r>
+              <a:rPr lang="en-US" dirty="0" smtClean="0">
+                <a:hlinkClick r:id="rId2"/>
+              </a:rPr>
+              <a:t>aimbat.html</a:t>
+            </a:r>
+            <a:endParaRPr lang="en-US" dirty="0" smtClean="0"/>
+          </a:p>
+          <a:p>
+            <a:r>
+              <a:rPr lang="en-US" dirty="0" err="1" smtClean="0"/>
+              <a:t>Github</a:t>
+            </a:r>
+            <a:r>
+              <a:rPr lang="en-US" dirty="0" smtClean="0"/>
+              <a:t> repository: </a:t>
+            </a:r>
+            <a:r>
+              <a:rPr lang="fi-FI" dirty="0">
+                <a:hlinkClick r:id="rId3"/>
+              </a:rPr>
+              <a:t>https://github.com/</a:t>
+            </a:r>
+            <a:r>
+              <a:rPr lang="fi-FI" dirty="0" smtClean="0">
+                <a:hlinkClick r:id="rId3"/>
+              </a:rPr>
+              <a:t>pysmo</a:t>
+            </a:r>
+            <a:endParaRPr lang="fi-FI" dirty="0" smtClean="0"/>
+          </a:p>
+          <a:p>
+            <a:r>
+              <a:rPr lang="fi-FI" dirty="0" err="1" smtClean="0"/>
+              <a:t>Documentation</a:t>
+            </a:r>
+            <a:r>
+              <a:rPr lang="fi-FI" dirty="0" smtClean="0"/>
+              <a:t>: </a:t>
+            </a:r>
+            <a:r>
+              <a:rPr lang="en-US" dirty="0">
+                <a:hlinkClick r:id="rId4"/>
+              </a:rPr>
+              <a:t>http://aimbat.readthedocs.org/en/latest</a:t>
+            </a:r>
+            <a:r>
+              <a:rPr lang="en-US" dirty="0" smtClean="0">
+                <a:hlinkClick r:id="rId4"/>
+              </a:rPr>
+              <a:t>/</a:t>
+            </a:r>
+            <a:r>
+              <a:rPr lang="en-US" dirty="0" smtClean="0"/>
+              <a:t> </a:t>
+            </a:r>
+          </a:p>
+          <a:p>
+            <a:endParaRPr lang="en-US" dirty="0"/>
+          </a:p>
+        </p:txBody>
+      </p:sp>
+    </p:spTree>
+    <p:extLst>
+      <p:ext uri="{BB962C8B-B14F-4D97-AF65-F5344CB8AC3E}">
+        <p14:creationId xmlns:p14="http://schemas.microsoft.com/office/powerpoint/2010/main" val="2523475218"/>
       </p:ext>
     </p:extLst>
   </p:cSld>

--- a/AIMBAT/AIMBAT.pptx
+++ b/AIMBAT/AIMBAT.pptx
@@ -6,14 +6,11 @@
   </p:sldMasterIdLst>
   <p:sldIdLst>
     <p:sldId id="256" r:id="rId2"/>
-    <p:sldId id="262" r:id="rId3"/>
-    <p:sldId id="257" r:id="rId4"/>
-    <p:sldId id="263" r:id="rId5"/>
-    <p:sldId id="259" r:id="rId6"/>
-    <p:sldId id="260" r:id="rId7"/>
-    <p:sldId id="264" r:id="rId8"/>
-    <p:sldId id="261" r:id="rId9"/>
-    <p:sldId id="258" r:id="rId10"/>
+    <p:sldId id="257" r:id="rId3"/>
+    <p:sldId id="259" r:id="rId4"/>
+    <p:sldId id="260" r:id="rId5"/>
+    <p:sldId id="261" r:id="rId6"/>
+    <p:sldId id="258" r:id="rId7"/>
   </p:sldIdLst>
   <p:sldSz cx="9144000" cy="6858000" type="screen4x3"/>
   <p:notesSz cx="6858000" cy="9144000"/>
@@ -296,7 +293,7 @@
           <a:p>
             <a:fld id="{6EB5AF22-7E07-4B46-95AE-FB6A415E8F1F}" type="datetimeFigureOut">
               <a:rPr lang="en-US" smtClean="0"/>
-              <a:t>7/14/14</a:t>
+              <a:t>7/20/14</a:t>
             </a:fld>
             <a:endParaRPr lang="en-US"/>
           </a:p>
@@ -466,7 +463,7 @@
           <a:p>
             <a:fld id="{6EB5AF22-7E07-4B46-95AE-FB6A415E8F1F}" type="datetimeFigureOut">
               <a:rPr lang="en-US" smtClean="0"/>
-              <a:t>7/14/14</a:t>
+              <a:t>7/20/14</a:t>
             </a:fld>
             <a:endParaRPr lang="en-US"/>
           </a:p>
@@ -646,7 +643,7 @@
           <a:p>
             <a:fld id="{6EB5AF22-7E07-4B46-95AE-FB6A415E8F1F}" type="datetimeFigureOut">
               <a:rPr lang="en-US" smtClean="0"/>
-              <a:t>7/14/14</a:t>
+              <a:t>7/20/14</a:t>
             </a:fld>
             <a:endParaRPr lang="en-US"/>
           </a:p>
@@ -816,7 +813,7 @@
           <a:p>
             <a:fld id="{6EB5AF22-7E07-4B46-95AE-FB6A415E8F1F}" type="datetimeFigureOut">
               <a:rPr lang="en-US" smtClean="0"/>
-              <a:t>7/14/14</a:t>
+              <a:t>7/20/14</a:t>
             </a:fld>
             <a:endParaRPr lang="en-US"/>
           </a:p>
@@ -1062,7 +1059,7 @@
           <a:p>
             <a:fld id="{6EB5AF22-7E07-4B46-95AE-FB6A415E8F1F}" type="datetimeFigureOut">
               <a:rPr lang="en-US" smtClean="0"/>
-              <a:t>7/14/14</a:t>
+              <a:t>7/20/14</a:t>
             </a:fld>
             <a:endParaRPr lang="en-US"/>
           </a:p>
@@ -1350,7 +1347,7 @@
           <a:p>
             <a:fld id="{6EB5AF22-7E07-4B46-95AE-FB6A415E8F1F}" type="datetimeFigureOut">
               <a:rPr lang="en-US" smtClean="0"/>
-              <a:t>7/14/14</a:t>
+              <a:t>7/20/14</a:t>
             </a:fld>
             <a:endParaRPr lang="en-US"/>
           </a:p>
@@ -1772,7 +1769,7 @@
           <a:p>
             <a:fld id="{6EB5AF22-7E07-4B46-95AE-FB6A415E8F1F}" type="datetimeFigureOut">
               <a:rPr lang="en-US" smtClean="0"/>
-              <a:t>7/14/14</a:t>
+              <a:t>7/20/14</a:t>
             </a:fld>
             <a:endParaRPr lang="en-US"/>
           </a:p>
@@ -1890,7 +1887,7 @@
           <a:p>
             <a:fld id="{6EB5AF22-7E07-4B46-95AE-FB6A415E8F1F}" type="datetimeFigureOut">
               <a:rPr lang="en-US" smtClean="0"/>
-              <a:t>7/14/14</a:t>
+              <a:t>7/20/14</a:t>
             </a:fld>
             <a:endParaRPr lang="en-US"/>
           </a:p>
@@ -1985,7 +1982,7 @@
           <a:p>
             <a:fld id="{6EB5AF22-7E07-4B46-95AE-FB6A415E8F1F}" type="datetimeFigureOut">
               <a:rPr lang="en-US" smtClean="0"/>
-              <a:t>7/14/14</a:t>
+              <a:t>7/20/14</a:t>
             </a:fld>
             <a:endParaRPr lang="en-US"/>
           </a:p>
@@ -2262,7 +2259,7 @@
           <a:p>
             <a:fld id="{6EB5AF22-7E07-4B46-95AE-FB6A415E8F1F}" type="datetimeFigureOut">
               <a:rPr lang="en-US" smtClean="0"/>
-              <a:t>7/14/14</a:t>
+              <a:t>7/20/14</a:t>
             </a:fld>
             <a:endParaRPr lang="en-US"/>
           </a:p>
@@ -2515,7 +2512,7 @@
           <a:p>
             <a:fld id="{6EB5AF22-7E07-4B46-95AE-FB6A415E8F1F}" type="datetimeFigureOut">
               <a:rPr lang="en-US" smtClean="0"/>
-              <a:t>7/14/14</a:t>
+              <a:t>7/20/14</a:t>
             </a:fld>
             <a:endParaRPr lang="en-US"/>
           </a:p>
@@ -2728,7 +2725,7 @@
           <a:p>
             <a:fld id="{6EB5AF22-7E07-4B46-95AE-FB6A415E8F1F}" type="datetimeFigureOut">
               <a:rPr lang="en-US" smtClean="0"/>
-              <a:t>7/14/14</a:t>
+              <a:t>7/20/14</a:t>
             </a:fld>
             <a:endParaRPr lang="en-US"/>
           </a:p>
@@ -3242,7 +3239,7 @@
           <a:p>
             <a:r>
               <a:rPr lang="en-US" dirty="0" smtClean="0"/>
-              <a:t>Contents</a:t>
+              <a:t>AIMBAT</a:t>
             </a:r>
             <a:endParaRPr lang="en-US" dirty="0"/>
           </a:p>
@@ -3265,27 +3262,56 @@
           <a:p>
             <a:r>
               <a:rPr lang="en-US" dirty="0" smtClean="0"/>
-              <a:t>Overview of AIMBAT</a:t>
-            </a:r>
-          </a:p>
-          <a:p>
+              <a:t>Python tool for measuring </a:t>
+            </a:r>
+            <a:r>
+              <a:rPr lang="en-US" dirty="0" err="1" smtClean="0"/>
+              <a:t>teleseismic</a:t>
+            </a:r>
             <a:r>
               <a:rPr lang="en-US" dirty="0" smtClean="0"/>
-              <a:t>Installing AIMBAT</a:t>
+              <a:t> arrival times for large seismic arrays</a:t>
             </a:r>
           </a:p>
           <a:p>
             <a:r>
               <a:rPr lang="en-US" dirty="0" smtClean="0"/>
-              <a:t>Using AIMBAT</a:t>
-            </a:r>
+              <a:t>Open source</a:t>
+            </a:r>
+          </a:p>
+          <a:p>
+            <a:r>
+              <a:rPr lang="en-US" dirty="0" smtClean="0"/>
+              <a:t>Aligns seismograms by ICCS (iterative cross-correlation and stack)</a:t>
+            </a:r>
+          </a:p>
+          <a:p>
+            <a:r>
+              <a:rPr lang="en-US" dirty="0" smtClean="0"/>
+              <a:t>Picks arrival times by Multi-channel cross-correlation</a:t>
+            </a:r>
+          </a:p>
+          <a:p>
+            <a:r>
+              <a:rPr lang="en-US" dirty="0" smtClean="0"/>
+              <a:t>GUI for user to fine-tune arrival times</a:t>
+            </a:r>
+          </a:p>
+          <a:p>
+            <a:endParaRPr lang="en-US" dirty="0" smtClean="0"/>
+          </a:p>
+          <a:p>
+            <a:endParaRPr lang="en-US" dirty="0" smtClean="0"/>
+          </a:p>
+          <a:p>
+            <a:endParaRPr lang="en-US" dirty="0"/>
           </a:p>
         </p:txBody>
       </p:sp>
     </p:spTree>
     <p:extLst>
       <p:ext uri="{BB962C8B-B14F-4D97-AF65-F5344CB8AC3E}">
-        <p14:creationId xmlns:p14="http://schemas.microsoft.com/office/powerpoint/2010/main" val="2293902994"/>
+        <p14:creationId xmlns:p14="http://schemas.microsoft.com/office/powerpoint/2010/main" val="2470419815"/>
       </p:ext>
     </p:extLst>
   </p:cSld>
@@ -3329,7 +3355,7 @@
           <a:p>
             <a:r>
               <a:rPr lang="en-US" dirty="0" smtClean="0"/>
-              <a:t>AIMBAT</a:t>
+              <a:t>Installing AIMBAT dependencies</a:t>
             </a:r>
             <a:endParaRPr lang="en-US" dirty="0"/>
           </a:p>
@@ -3337,7 +3363,7 @@
       </p:sp>
       <p:sp>
         <p:nvSpPr>
-          <p:cNvPr id="3" name="Content Placeholder 2"/>
+          <p:cNvPr id="5" name="Content Placeholder 4"/>
           <p:cNvSpPr>
             <a:spLocks noGrp="1"/>
           </p:cNvSpPr>
@@ -3352,56 +3378,66 @@
           <a:p>
             <a:r>
               <a:rPr lang="en-US" dirty="0" smtClean="0"/>
-              <a:t>Python tool for measuring </a:t>
-            </a:r>
+              <a:t>Python</a:t>
+            </a:r>
+          </a:p>
+          <a:p>
+            <a:pPr lvl="1"/>
             <a:r>
               <a:rPr lang="en-US" dirty="0" err="1" smtClean="0"/>
-              <a:t>teleseismic</a:t>
-            </a:r>
+              <a:t>Matplotlib</a:t>
+            </a:r>
+            <a:endParaRPr lang="en-US" dirty="0" smtClean="0"/>
+          </a:p>
+          <a:p>
+            <a:pPr lvl="1"/>
+            <a:r>
+              <a:rPr lang="en-US" dirty="0" err="1" smtClean="0"/>
+              <a:t>Numpy</a:t>
+            </a:r>
+            <a:endParaRPr lang="en-US" dirty="0" smtClean="0"/>
+          </a:p>
+          <a:p>
+            <a:pPr lvl="1"/>
+            <a:r>
+              <a:rPr lang="en-US" dirty="0" err="1" smtClean="0"/>
+              <a:t>Scipy</a:t>
+            </a:r>
+            <a:endParaRPr lang="en-US" dirty="0" smtClean="0"/>
+          </a:p>
+          <a:p>
+            <a:pPr marL="514350" indent="-457200"/>
+            <a:r>
+              <a:rPr lang="en-US" dirty="0" err="1" smtClean="0"/>
+              <a:t>Macports</a:t>
+            </a:r>
+            <a:endParaRPr lang="en-US" dirty="0"/>
+          </a:p>
+          <a:p>
+            <a:pPr marL="514350" indent="-457200"/>
             <a:r>
               <a:rPr lang="en-US" dirty="0" smtClean="0"/>
-              <a:t> arrival times for large seismic arrays</a:t>
-            </a:r>
+              <a:t>Homebrew</a:t>
+            </a:r>
+            <a:endParaRPr lang="en-US" dirty="0" smtClean="0"/>
           </a:p>
           <a:p>
             <a:r>
               <a:rPr lang="en-US" dirty="0" smtClean="0"/>
-              <a:t>Open source</a:t>
-            </a:r>
-          </a:p>
-          <a:p>
-            <a:r>
-              <a:rPr lang="en-US" dirty="0" smtClean="0"/>
-              <a:t>Aligns seismograms by ICCS (iterative cross-correlation and stack)</a:t>
-            </a:r>
-          </a:p>
-          <a:p>
-            <a:r>
-              <a:rPr lang="en-US" dirty="0" smtClean="0"/>
-              <a:t>Picks arrival times by Multi-channel cross-correlation</a:t>
-            </a:r>
-          </a:p>
-          <a:p>
-            <a:r>
-              <a:rPr lang="en-US" dirty="0" smtClean="0"/>
-              <a:t>GUI for user to fine-tune arrival times</a:t>
-            </a:r>
-          </a:p>
-          <a:p>
+              <a:t>Python </a:t>
+            </a:r>
+            <a:r>
+              <a:rPr lang="en-US" dirty="0" err="1" smtClean="0"/>
+              <a:t>basemap</a:t>
+            </a:r>
             <a:endParaRPr lang="en-US" dirty="0" smtClean="0"/>
-          </a:p>
-          <a:p>
-            <a:endParaRPr lang="en-US" dirty="0" smtClean="0"/>
-          </a:p>
-          <a:p>
-            <a:endParaRPr lang="en-US" dirty="0"/>
           </a:p>
         </p:txBody>
       </p:sp>
     </p:spTree>
     <p:extLst>
       <p:ext uri="{BB962C8B-B14F-4D97-AF65-F5344CB8AC3E}">
-        <p14:creationId xmlns:p14="http://schemas.microsoft.com/office/powerpoint/2010/main" val="2470419815"/>
+        <p14:creationId xmlns:p14="http://schemas.microsoft.com/office/powerpoint/2010/main" val="1126176899"/>
       </p:ext>
     </p:extLst>
   </p:cSld>
@@ -3430,7 +3466,7 @@
       </p:grpSpPr>
       <p:sp>
         <p:nvSpPr>
-          <p:cNvPr id="2" name="Title 1"/>
+          <p:cNvPr id="4" name="Title 3"/>
           <p:cNvSpPr>
             <a:spLocks noGrp="1"/>
           </p:cNvSpPr>
@@ -3442,53 +3478,64 @@
         <p:txBody>
           <a:bodyPr/>
           <a:lstStyle/>
-          <a:p>
-            <a:r>
-              <a:rPr lang="en-US" dirty="0" smtClean="0"/>
-              <a:t>Contents</a:t>
-            </a:r>
-            <a:endParaRPr lang="en-US" dirty="0"/>
-          </a:p>
-        </p:txBody>
-      </p:sp>
-      <p:sp>
-        <p:nvSpPr>
-          <p:cNvPr id="3" name="Content Placeholder 2"/>
-          <p:cNvSpPr>
-            <a:spLocks noGrp="1"/>
-          </p:cNvSpPr>
-          <p:nvPr>
-            <p:ph idx="1"/>
-          </p:nvPr>
-        </p:nvSpPr>
-        <p:spPr/>
-        <p:txBody>
-          <a:bodyPr/>
-          <a:lstStyle/>
-          <a:p>
-            <a:r>
-              <a:rPr lang="en-US" dirty="0" smtClean="0"/>
-              <a:t>Overview of AIMBAT</a:t>
-            </a:r>
-          </a:p>
           <a:p>
             <a:r>
               <a:rPr lang="en-US" dirty="0" smtClean="0"/>
               <a:t>Installing AIMBAT</a:t>
             </a:r>
-          </a:p>
+            <a:endParaRPr lang="en-US" dirty="0"/>
+          </a:p>
+        </p:txBody>
+      </p:sp>
+      <p:sp>
+        <p:nvSpPr>
+          <p:cNvPr id="6" name="Content Placeholder 5"/>
+          <p:cNvSpPr>
+            <a:spLocks noGrp="1"/>
+          </p:cNvSpPr>
+          <p:nvPr>
+            <p:ph idx="1"/>
+          </p:nvPr>
+        </p:nvSpPr>
+        <p:spPr/>
+        <p:txBody>
+          <a:bodyPr/>
+          <a:lstStyle/>
           <a:p>
             <a:r>
               <a:rPr lang="en-US" dirty="0" smtClean="0"/>
-              <a:t>Using AIMBAT</a:t>
-            </a:r>
+              <a:t>Install </a:t>
+            </a:r>
+            <a:r>
+              <a:rPr lang="en-US" dirty="0" err="1" smtClean="0"/>
+              <a:t>pysmo.sac</a:t>
+            </a:r>
+            <a:endParaRPr lang="en-US" dirty="0" smtClean="0"/>
+          </a:p>
+          <a:p>
+            <a:r>
+              <a:rPr lang="en-US" dirty="0" smtClean="0"/>
+              <a:t>Install </a:t>
+            </a:r>
+            <a:r>
+              <a:rPr lang="en-US" dirty="0" err="1" smtClean="0"/>
+              <a:t>pysmo.aimbat</a:t>
+            </a:r>
+            <a:r>
+              <a:rPr lang="en-US" dirty="0" smtClean="0"/>
+              <a:t> </a:t>
+            </a:r>
+            <a:endParaRPr lang="en-US" dirty="0" smtClean="0"/>
+          </a:p>
+          <a:p>
+            <a:endParaRPr lang="en-US" dirty="0"/>
           </a:p>
         </p:txBody>
       </p:sp>
     </p:spTree>
     <p:extLst>
       <p:ext uri="{BB962C8B-B14F-4D97-AF65-F5344CB8AC3E}">
-        <p14:creationId xmlns:p14="http://schemas.microsoft.com/office/powerpoint/2010/main" val="2957004957"/>
+        <p14:creationId xmlns:p14="http://schemas.microsoft.com/office/powerpoint/2010/main" val="3426339041"/>
       </p:ext>
     </p:extLst>
   </p:cSld>
@@ -3531,8 +3578,8 @@
           <a:lstStyle/>
           <a:p>
             <a:r>
-              <a:rPr lang="en-US" dirty="0" smtClean="0"/>
-              <a:t>Installing AIMBAT dependencies</a:t>
+              <a:rPr lang="en-US" smtClean="0"/>
+              <a:t>Getting Data - OBSPY</a:t>
             </a:r>
             <a:endParaRPr lang="en-US" dirty="0"/>
           </a:p>
@@ -3540,7 +3587,7 @@
       </p:sp>
       <p:sp>
         <p:nvSpPr>
-          <p:cNvPr id="5" name="Content Placeholder 4"/>
+          <p:cNvPr id="3" name="Content Placeholder 2"/>
           <p:cNvSpPr>
             <a:spLocks noGrp="1"/>
           </p:cNvSpPr>
@@ -3553,28 +3600,14 @@
           <a:bodyPr/>
           <a:lstStyle/>
           <a:p>
-            <a:r>
-              <a:rPr lang="en-US" dirty="0" smtClean="0"/>
-              <a:t>Python</a:t>
-            </a:r>
-          </a:p>
-          <a:p>
-            <a:r>
-              <a:rPr lang="en-US" dirty="0" smtClean="0"/>
-              <a:t>Python </a:t>
-            </a:r>
-            <a:r>
-              <a:rPr lang="en-US" dirty="0" err="1" smtClean="0"/>
-              <a:t>basemap</a:t>
-            </a:r>
-            <a:endParaRPr lang="en-US" dirty="0" smtClean="0"/>
+            <a:endParaRPr lang="en-US" dirty="0"/>
           </a:p>
         </p:txBody>
       </p:sp>
     </p:spTree>
     <p:extLst>
       <p:ext uri="{BB962C8B-B14F-4D97-AF65-F5344CB8AC3E}">
-        <p14:creationId xmlns:p14="http://schemas.microsoft.com/office/powerpoint/2010/main" val="1126176899"/>
+        <p14:creationId xmlns:p14="http://schemas.microsoft.com/office/powerpoint/2010/main" val="2223914147"/>
       </p:ext>
     </p:extLst>
   </p:cSld>
@@ -3585,256 +3618,6 @@
 </file>
 
 <file path=ppt/slides/slide6.xml><?xml version="1.0" encoding="utf-8"?>
-<p:sld xmlns:a="http://schemas.openxmlformats.org/drawingml/2006/main" xmlns:r="http://schemas.openxmlformats.org/officeDocument/2006/relationships" xmlns:p="http://schemas.openxmlformats.org/presentationml/2006/main">
-  <p:cSld>
-    <p:spTree>
-      <p:nvGrpSpPr>
-        <p:cNvPr id="1" name=""/>
-        <p:cNvGrpSpPr/>
-        <p:nvPr/>
-      </p:nvGrpSpPr>
-      <p:grpSpPr>
-        <a:xfrm>
-          <a:off x="0" y="0"/>
-          <a:ext cx="0" cy="0"/>
-          <a:chOff x="0" y="0"/>
-          <a:chExt cx="0" cy="0"/>
-        </a:xfrm>
-      </p:grpSpPr>
-      <p:sp>
-        <p:nvSpPr>
-          <p:cNvPr id="4" name="Title 3"/>
-          <p:cNvSpPr>
-            <a:spLocks noGrp="1"/>
-          </p:cNvSpPr>
-          <p:nvPr>
-            <p:ph type="title"/>
-          </p:nvPr>
-        </p:nvSpPr>
-        <p:spPr/>
-        <p:txBody>
-          <a:bodyPr/>
-          <a:lstStyle/>
-          <a:p>
-            <a:r>
-              <a:rPr lang="en-US" dirty="0" smtClean="0"/>
-              <a:t>Installing AIMBAT</a:t>
-            </a:r>
-            <a:endParaRPr lang="en-US" dirty="0"/>
-          </a:p>
-        </p:txBody>
-      </p:sp>
-      <p:sp>
-        <p:nvSpPr>
-          <p:cNvPr id="6" name="Content Placeholder 5"/>
-          <p:cNvSpPr>
-            <a:spLocks noGrp="1"/>
-          </p:cNvSpPr>
-          <p:nvPr>
-            <p:ph idx="1"/>
-          </p:nvPr>
-        </p:nvSpPr>
-        <p:spPr/>
-        <p:txBody>
-          <a:bodyPr/>
-          <a:lstStyle/>
-          <a:p>
-            <a:r>
-              <a:rPr lang="en-US" dirty="0" smtClean="0"/>
-              <a:t>Install </a:t>
-            </a:r>
-            <a:r>
-              <a:rPr lang="en-US" dirty="0" err="1" smtClean="0"/>
-              <a:t>pysmo.sac</a:t>
-            </a:r>
-            <a:endParaRPr lang="en-US" dirty="0" smtClean="0"/>
-          </a:p>
-          <a:p>
-            <a:r>
-              <a:rPr lang="en-US" dirty="0" smtClean="0"/>
-              <a:t>Install </a:t>
-            </a:r>
-            <a:r>
-              <a:rPr lang="en-US" dirty="0" err="1" smtClean="0"/>
-              <a:t>pysmo.aimbat</a:t>
-            </a:r>
-            <a:r>
-              <a:rPr lang="en-US" dirty="0" smtClean="0"/>
-              <a:t> </a:t>
-            </a:r>
-            <a:endParaRPr lang="en-US" dirty="0"/>
-          </a:p>
-        </p:txBody>
-      </p:sp>
-    </p:spTree>
-    <p:extLst>
-      <p:ext uri="{BB962C8B-B14F-4D97-AF65-F5344CB8AC3E}">
-        <p14:creationId xmlns:p14="http://schemas.microsoft.com/office/powerpoint/2010/main" val="3426339041"/>
-      </p:ext>
-    </p:extLst>
-  </p:cSld>
-  <p:clrMapOvr>
-    <a:masterClrMapping/>
-  </p:clrMapOvr>
-</p:sld>
-</file>
-
-<file path=ppt/slides/slide7.xml><?xml version="1.0" encoding="utf-8"?>
-<p:sld xmlns:a="http://schemas.openxmlformats.org/drawingml/2006/main" xmlns:r="http://schemas.openxmlformats.org/officeDocument/2006/relationships" xmlns:p="http://schemas.openxmlformats.org/presentationml/2006/main">
-  <p:cSld>
-    <p:spTree>
-      <p:nvGrpSpPr>
-        <p:cNvPr id="1" name=""/>
-        <p:cNvGrpSpPr/>
-        <p:nvPr/>
-      </p:nvGrpSpPr>
-      <p:grpSpPr>
-        <a:xfrm>
-          <a:off x="0" y="0"/>
-          <a:ext cx="0" cy="0"/>
-          <a:chOff x="0" y="0"/>
-          <a:chExt cx="0" cy="0"/>
-        </a:xfrm>
-      </p:grpSpPr>
-      <p:sp>
-        <p:nvSpPr>
-          <p:cNvPr id="2" name="Title 1"/>
-          <p:cNvSpPr>
-            <a:spLocks noGrp="1"/>
-          </p:cNvSpPr>
-          <p:nvPr>
-            <p:ph type="title"/>
-          </p:nvPr>
-        </p:nvSpPr>
-        <p:spPr/>
-        <p:txBody>
-          <a:bodyPr/>
-          <a:lstStyle/>
-          <a:p>
-            <a:r>
-              <a:rPr lang="en-US" dirty="0" smtClean="0"/>
-              <a:t>Contents</a:t>
-            </a:r>
-            <a:endParaRPr lang="en-US" dirty="0"/>
-          </a:p>
-        </p:txBody>
-      </p:sp>
-      <p:sp>
-        <p:nvSpPr>
-          <p:cNvPr id="3" name="Content Placeholder 2"/>
-          <p:cNvSpPr>
-            <a:spLocks noGrp="1"/>
-          </p:cNvSpPr>
-          <p:nvPr>
-            <p:ph idx="1"/>
-          </p:nvPr>
-        </p:nvSpPr>
-        <p:spPr/>
-        <p:txBody>
-          <a:bodyPr/>
-          <a:lstStyle/>
-          <a:p>
-            <a:r>
-              <a:rPr lang="en-US" dirty="0" smtClean="0"/>
-              <a:t>Overview of AIMBAT</a:t>
-            </a:r>
-          </a:p>
-          <a:p>
-            <a:r>
-              <a:rPr lang="en-US" dirty="0" smtClean="0"/>
-              <a:t>Installing AIMBAT</a:t>
-            </a:r>
-          </a:p>
-          <a:p>
-            <a:r>
-              <a:rPr lang="en-US" dirty="0" smtClean="0"/>
-              <a:t>Using AIMBAT</a:t>
-            </a:r>
-          </a:p>
-        </p:txBody>
-      </p:sp>
-    </p:spTree>
-    <p:extLst>
-      <p:ext uri="{BB962C8B-B14F-4D97-AF65-F5344CB8AC3E}">
-        <p14:creationId xmlns:p14="http://schemas.microsoft.com/office/powerpoint/2010/main" val="2957004957"/>
-      </p:ext>
-    </p:extLst>
-  </p:cSld>
-  <p:clrMapOvr>
-    <a:masterClrMapping/>
-  </p:clrMapOvr>
-</p:sld>
-</file>
-
-<file path=ppt/slides/slide8.xml><?xml version="1.0" encoding="utf-8"?>
-<p:sld xmlns:a="http://schemas.openxmlformats.org/drawingml/2006/main" xmlns:r="http://schemas.openxmlformats.org/officeDocument/2006/relationships" xmlns:p="http://schemas.openxmlformats.org/presentationml/2006/main">
-  <p:cSld>
-    <p:spTree>
-      <p:nvGrpSpPr>
-        <p:cNvPr id="1" name=""/>
-        <p:cNvGrpSpPr/>
-        <p:nvPr/>
-      </p:nvGrpSpPr>
-      <p:grpSpPr>
-        <a:xfrm>
-          <a:off x="0" y="0"/>
-          <a:ext cx="0" cy="0"/>
-          <a:chOff x="0" y="0"/>
-          <a:chExt cx="0" cy="0"/>
-        </a:xfrm>
-      </p:grpSpPr>
-      <p:sp>
-        <p:nvSpPr>
-          <p:cNvPr id="2" name="Title 1"/>
-          <p:cNvSpPr>
-            <a:spLocks noGrp="1"/>
-          </p:cNvSpPr>
-          <p:nvPr>
-            <p:ph type="title"/>
-          </p:nvPr>
-        </p:nvSpPr>
-        <p:spPr/>
-        <p:txBody>
-          <a:bodyPr/>
-          <a:lstStyle/>
-          <a:p>
-            <a:endParaRPr lang="en-US" dirty="0"/>
-          </a:p>
-        </p:txBody>
-      </p:sp>
-      <p:sp>
-        <p:nvSpPr>
-          <p:cNvPr id="3" name="Content Placeholder 2"/>
-          <p:cNvSpPr>
-            <a:spLocks noGrp="1"/>
-          </p:cNvSpPr>
-          <p:nvPr>
-            <p:ph idx="1"/>
-          </p:nvPr>
-        </p:nvSpPr>
-        <p:spPr/>
-        <p:txBody>
-          <a:bodyPr/>
-          <a:lstStyle/>
-          <a:p>
-            <a:endParaRPr lang="en-US"/>
-          </a:p>
-        </p:txBody>
-      </p:sp>
-    </p:spTree>
-    <p:extLst>
-      <p:ext uri="{BB962C8B-B14F-4D97-AF65-F5344CB8AC3E}">
-        <p14:creationId xmlns:p14="http://schemas.microsoft.com/office/powerpoint/2010/main" val="2969269703"/>
-      </p:ext>
-    </p:extLst>
-  </p:cSld>
-  <p:clrMapOvr>
-    <a:masterClrMapping/>
-  </p:clrMapOvr>
-</p:sld>
-</file>
-
-<file path=ppt/slides/slide9.xml><?xml version="1.0" encoding="utf-8"?>
 <p:sld xmlns:a="http://schemas.openxmlformats.org/drawingml/2006/main" xmlns:r="http://schemas.openxmlformats.org/officeDocument/2006/relationships" xmlns:p="http://schemas.openxmlformats.org/presentationml/2006/main">
   <p:cSld>
     <p:spTree>

--- a/AIMBAT/AIMBAT.pptx
+++ b/AIMBAT/AIMBAT.pptx
@@ -6,11 +6,37 @@
   </p:sldMasterIdLst>
   <p:sldIdLst>
     <p:sldId id="256" r:id="rId2"/>
-    <p:sldId id="257" r:id="rId3"/>
-    <p:sldId id="259" r:id="rId4"/>
-    <p:sldId id="260" r:id="rId5"/>
-    <p:sldId id="261" r:id="rId6"/>
-    <p:sldId id="258" r:id="rId7"/>
+    <p:sldId id="270" r:id="rId3"/>
+    <p:sldId id="269" r:id="rId4"/>
+    <p:sldId id="257" r:id="rId5"/>
+    <p:sldId id="262" r:id="rId6"/>
+    <p:sldId id="263" r:id="rId7"/>
+    <p:sldId id="272" r:id="rId8"/>
+    <p:sldId id="277" r:id="rId9"/>
+    <p:sldId id="273" r:id="rId10"/>
+    <p:sldId id="276" r:id="rId11"/>
+    <p:sldId id="274" r:id="rId12"/>
+    <p:sldId id="259" r:id="rId13"/>
+    <p:sldId id="278" r:id="rId14"/>
+    <p:sldId id="275" r:id="rId15"/>
+    <p:sldId id="279" r:id="rId16"/>
+    <p:sldId id="264" r:id="rId17"/>
+    <p:sldId id="260" r:id="rId18"/>
+    <p:sldId id="281" r:id="rId19"/>
+    <p:sldId id="282" r:id="rId20"/>
+    <p:sldId id="280" r:id="rId21"/>
+    <p:sldId id="266" r:id="rId22"/>
+    <p:sldId id="283" r:id="rId23"/>
+    <p:sldId id="267" r:id="rId24"/>
+    <p:sldId id="284" r:id="rId25"/>
+    <p:sldId id="271" r:id="rId26"/>
+    <p:sldId id="268" r:id="rId27"/>
+    <p:sldId id="265" r:id="rId28"/>
+    <p:sldId id="286" r:id="rId29"/>
+    <p:sldId id="287" r:id="rId30"/>
+    <p:sldId id="288" r:id="rId31"/>
+    <p:sldId id="285" r:id="rId32"/>
+    <p:sldId id="289" r:id="rId33"/>
   </p:sldIdLst>
   <p:sldSz cx="9144000" cy="6858000" type="screen4x3"/>
   <p:notesSz cx="6858000" cy="9144000"/>
@@ -293,7 +319,7 @@
           <a:p>
             <a:fld id="{6EB5AF22-7E07-4B46-95AE-FB6A415E8F1F}" type="datetimeFigureOut">
               <a:rPr lang="en-US" smtClean="0"/>
-              <a:t>7/20/14</a:t>
+              <a:t>7/21/14</a:t>
             </a:fld>
             <a:endParaRPr lang="en-US"/>
           </a:p>
@@ -463,7 +489,7 @@
           <a:p>
             <a:fld id="{6EB5AF22-7E07-4B46-95AE-FB6A415E8F1F}" type="datetimeFigureOut">
               <a:rPr lang="en-US" smtClean="0"/>
-              <a:t>7/20/14</a:t>
+              <a:t>7/21/14</a:t>
             </a:fld>
             <a:endParaRPr lang="en-US"/>
           </a:p>
@@ -643,7 +669,7 @@
           <a:p>
             <a:fld id="{6EB5AF22-7E07-4B46-95AE-FB6A415E8F1F}" type="datetimeFigureOut">
               <a:rPr lang="en-US" smtClean="0"/>
-              <a:t>7/20/14</a:t>
+              <a:t>7/21/14</a:t>
             </a:fld>
             <a:endParaRPr lang="en-US"/>
           </a:p>
@@ -813,7 +839,7 @@
           <a:p>
             <a:fld id="{6EB5AF22-7E07-4B46-95AE-FB6A415E8F1F}" type="datetimeFigureOut">
               <a:rPr lang="en-US" smtClean="0"/>
-              <a:t>7/20/14</a:t>
+              <a:t>7/21/14</a:t>
             </a:fld>
             <a:endParaRPr lang="en-US"/>
           </a:p>
@@ -1059,7 +1085,7 @@
           <a:p>
             <a:fld id="{6EB5AF22-7E07-4B46-95AE-FB6A415E8F1F}" type="datetimeFigureOut">
               <a:rPr lang="en-US" smtClean="0"/>
-              <a:t>7/20/14</a:t>
+              <a:t>7/21/14</a:t>
             </a:fld>
             <a:endParaRPr lang="en-US"/>
           </a:p>
@@ -1347,7 +1373,7 @@
           <a:p>
             <a:fld id="{6EB5AF22-7E07-4B46-95AE-FB6A415E8F1F}" type="datetimeFigureOut">
               <a:rPr lang="en-US" smtClean="0"/>
-              <a:t>7/20/14</a:t>
+              <a:t>7/21/14</a:t>
             </a:fld>
             <a:endParaRPr lang="en-US"/>
           </a:p>
@@ -1769,7 +1795,7 @@
           <a:p>
             <a:fld id="{6EB5AF22-7E07-4B46-95AE-FB6A415E8F1F}" type="datetimeFigureOut">
               <a:rPr lang="en-US" smtClean="0"/>
-              <a:t>7/20/14</a:t>
+              <a:t>7/21/14</a:t>
             </a:fld>
             <a:endParaRPr lang="en-US"/>
           </a:p>
@@ -1887,7 +1913,7 @@
           <a:p>
             <a:fld id="{6EB5AF22-7E07-4B46-95AE-FB6A415E8F1F}" type="datetimeFigureOut">
               <a:rPr lang="en-US" smtClean="0"/>
-              <a:t>7/20/14</a:t>
+              <a:t>7/21/14</a:t>
             </a:fld>
             <a:endParaRPr lang="en-US"/>
           </a:p>
@@ -1982,7 +2008,7 @@
           <a:p>
             <a:fld id="{6EB5AF22-7E07-4B46-95AE-FB6A415E8F1F}" type="datetimeFigureOut">
               <a:rPr lang="en-US" smtClean="0"/>
-              <a:t>7/20/14</a:t>
+              <a:t>7/21/14</a:t>
             </a:fld>
             <a:endParaRPr lang="en-US"/>
           </a:p>
@@ -2259,7 +2285,7 @@
           <a:p>
             <a:fld id="{6EB5AF22-7E07-4B46-95AE-FB6A415E8F1F}" type="datetimeFigureOut">
               <a:rPr lang="en-US" smtClean="0"/>
-              <a:t>7/20/14</a:t>
+              <a:t>7/21/14</a:t>
             </a:fld>
             <a:endParaRPr lang="en-US"/>
           </a:p>
@@ -2512,7 +2538,7 @@
           <a:p>
             <a:fld id="{6EB5AF22-7E07-4B46-95AE-FB6A415E8F1F}" type="datetimeFigureOut">
               <a:rPr lang="en-US" smtClean="0"/>
-              <a:t>7/20/14</a:t>
+              <a:t>7/21/14</a:t>
             </a:fld>
             <a:endParaRPr lang="en-US"/>
           </a:p>
@@ -2725,7 +2751,7 @@
           <a:p>
             <a:fld id="{6EB5AF22-7E07-4B46-95AE-FB6A415E8F1F}" type="datetimeFigureOut">
               <a:rPr lang="en-US" smtClean="0"/>
-              <a:t>7/20/14</a:t>
+              <a:t>7/21/14</a:t>
             </a:fld>
             <a:endParaRPr lang="en-US"/>
           </a:p>
@@ -3100,6 +3126,36 @@
           <a:chExt cx="0" cy="0"/>
         </a:xfrm>
       </p:grpSpPr>
+      <p:pic>
+        <p:nvPicPr>
+          <p:cNvPr id="5" name="Picture 4" descr="ttpick-r1-s1-all.png"/>
+          <p:cNvPicPr>
+            <a:picLocks noChangeAspect="1"/>
+          </p:cNvPicPr>
+          <p:nvPr/>
+        </p:nvPicPr>
+        <p:blipFill>
+          <a:blip r:embed="rId2">
+            <a:extLst>
+              <a:ext uri="{28A0092B-C50C-407E-A947-70E740481C1C}">
+                <a14:useLocalDpi xmlns:a14="http://schemas.microsoft.com/office/drawing/2010/main" val="0"/>
+              </a:ext>
+            </a:extLst>
+          </a:blip>
+          <a:stretch>
+            <a:fillRect/>
+          </a:stretch>
+        </p:blipFill>
+        <p:spPr>
+          <a:xfrm>
+            <a:off x="2273300" y="205092"/>
+            <a:ext cx="6870700" cy="6221107"/>
+          </a:xfrm>
+          <a:prstGeom prst="rect">
+            <a:avLst/>
+          </a:prstGeom>
+        </p:spPr>
+      </p:pic>
       <p:sp>
         <p:nvSpPr>
           <p:cNvPr id="2" name="Title 1"/>
@@ -3110,7 +3166,12 @@
             <p:ph type="ctrTitle"/>
           </p:nvPr>
         </p:nvSpPr>
-        <p:spPr/>
+        <p:spPr>
+          <a:xfrm>
+            <a:off x="-234950" y="2860675"/>
+            <a:ext cx="3092450" cy="885825"/>
+          </a:xfrm>
+        </p:spPr>
         <p:txBody>
           <a:bodyPr/>
           <a:lstStyle/>
@@ -3133,36 +3194,43 @@
             <p:ph type="subTitle" idx="1"/>
           </p:nvPr>
         </p:nvSpPr>
-        <p:spPr/>
-        <p:txBody>
-          <a:bodyPr/>
-          <a:lstStyle/>
-          <a:p>
-            <a:r>
-              <a:rPr lang="en-US" dirty="0" smtClean="0"/>
+        <p:spPr>
+          <a:xfrm>
+            <a:off x="-381000" y="4229100"/>
+            <a:ext cx="3556000" cy="1752600"/>
+          </a:xfrm>
+        </p:spPr>
+        <p:txBody>
+          <a:bodyPr>
+            <a:normAutofit/>
+          </a:bodyPr>
+          <a:lstStyle/>
+          <a:p>
+            <a:r>
+              <a:rPr lang="en-US" sz="2800" dirty="0" smtClean="0"/>
               <a:t>Lay </a:t>
             </a:r>
             <a:r>
-              <a:rPr lang="en-US" dirty="0" err="1" smtClean="0"/>
+              <a:rPr lang="en-US" sz="2800" dirty="0" err="1" smtClean="0"/>
               <a:t>Kuan</a:t>
             </a:r>
             <a:r>
-              <a:rPr lang="en-US" dirty="0" smtClean="0"/>
+              <a:rPr lang="en-US" sz="2800" dirty="0" smtClean="0"/>
               <a:t> Loh</a:t>
             </a:r>
           </a:p>
           <a:p>
             <a:r>
-              <a:rPr lang="en-US" dirty="0" smtClean="0"/>
+              <a:rPr lang="en-US" sz="2800" dirty="0" smtClean="0"/>
               <a:t>Suzan van der Lee</a:t>
             </a:r>
           </a:p>
           <a:p>
             <a:r>
-              <a:rPr lang="en-US" dirty="0" smtClean="0"/>
+              <a:rPr lang="en-US" sz="2800" dirty="0" smtClean="0"/>
               <a:t>August 4, 2014</a:t>
             </a:r>
-            <a:endParaRPr lang="en-US" dirty="0"/>
+            <a:endParaRPr lang="en-US" sz="2800" dirty="0"/>
           </a:p>
         </p:txBody>
       </p:sp>
@@ -3196,6 +3264,871 @@
     <p:extLst>
       <p:ext uri="{BB962C8B-B14F-4D97-AF65-F5344CB8AC3E}">
         <p14:creationId xmlns:p14="http://schemas.microsoft.com/office/powerpoint/2010/main" val="4101251583"/>
+      </p:ext>
+    </p:extLst>
+  </p:cSld>
+  <p:clrMapOvr>
+    <a:masterClrMapping/>
+  </p:clrMapOvr>
+</p:sld>
+</file>
+
+<file path=ppt/slides/slide10.xml><?xml version="1.0" encoding="utf-8"?>
+<p:sld xmlns:a="http://schemas.openxmlformats.org/drawingml/2006/main" xmlns:r="http://schemas.openxmlformats.org/officeDocument/2006/relationships" xmlns:p="http://schemas.openxmlformats.org/presentationml/2006/main">
+  <p:cSld>
+    <p:spTree>
+      <p:nvGrpSpPr>
+        <p:cNvPr id="1" name=""/>
+        <p:cNvGrpSpPr/>
+        <p:nvPr/>
+      </p:nvGrpSpPr>
+      <p:grpSpPr>
+        <a:xfrm>
+          <a:off x="0" y="0"/>
+          <a:ext cx="0" cy="0"/>
+          <a:chOff x="0" y="0"/>
+          <a:chExt cx="0" cy="0"/>
+        </a:xfrm>
+      </p:grpSpPr>
+      <p:sp>
+        <p:nvSpPr>
+          <p:cNvPr id="4" name="Title 3"/>
+          <p:cNvSpPr>
+            <a:spLocks noGrp="1"/>
+          </p:cNvSpPr>
+          <p:nvPr>
+            <p:ph type="title"/>
+          </p:nvPr>
+        </p:nvSpPr>
+        <p:spPr/>
+        <p:txBody>
+          <a:bodyPr/>
+          <a:lstStyle/>
+          <a:p>
+            <a:endParaRPr lang="en-US"/>
+          </a:p>
+        </p:txBody>
+      </p:sp>
+      <p:pic>
+        <p:nvPicPr>
+          <p:cNvPr id="5" name="Picture 4" descr="Screen Shot 2014-07-21 at 4.55.47 PM.png"/>
+          <p:cNvPicPr>
+            <a:picLocks noChangeAspect="1"/>
+          </p:cNvPicPr>
+          <p:nvPr/>
+        </p:nvPicPr>
+        <p:blipFill>
+          <a:blip r:embed="rId2">
+            <a:extLst>
+              <a:ext uri="{28A0092B-C50C-407E-A947-70E740481C1C}">
+                <a14:useLocalDpi xmlns:a14="http://schemas.microsoft.com/office/drawing/2010/main" val="0"/>
+              </a:ext>
+            </a:extLst>
+          </a:blip>
+          <a:stretch>
+            <a:fillRect/>
+          </a:stretch>
+        </p:blipFill>
+        <p:spPr>
+          <a:xfrm>
+            <a:off x="1740537" y="1951038"/>
+            <a:ext cx="5120638" cy="2968625"/>
+          </a:xfrm>
+          <a:prstGeom prst="rect">
+            <a:avLst/>
+          </a:prstGeom>
+        </p:spPr>
+      </p:pic>
+    </p:spTree>
+    <p:extLst>
+      <p:ext uri="{BB962C8B-B14F-4D97-AF65-F5344CB8AC3E}">
+        <p14:creationId xmlns:p14="http://schemas.microsoft.com/office/powerpoint/2010/main" val="370987640"/>
+      </p:ext>
+    </p:extLst>
+  </p:cSld>
+  <p:clrMapOvr>
+    <a:masterClrMapping/>
+  </p:clrMapOvr>
+</p:sld>
+</file>
+
+<file path=ppt/slides/slide11.xml><?xml version="1.0" encoding="utf-8"?>
+<p:sld xmlns:a="http://schemas.openxmlformats.org/drawingml/2006/main" xmlns:r="http://schemas.openxmlformats.org/officeDocument/2006/relationships" xmlns:p="http://schemas.openxmlformats.org/presentationml/2006/main">
+  <p:cSld>
+    <p:spTree>
+      <p:nvGrpSpPr>
+        <p:cNvPr id="1" name=""/>
+        <p:cNvGrpSpPr/>
+        <p:nvPr/>
+      </p:nvGrpSpPr>
+      <p:grpSpPr>
+        <a:xfrm>
+          <a:off x="0" y="0"/>
+          <a:ext cx="0" cy="0"/>
+          <a:chOff x="0" y="0"/>
+          <a:chExt cx="0" cy="0"/>
+        </a:xfrm>
+      </p:grpSpPr>
+      <p:sp>
+        <p:nvSpPr>
+          <p:cNvPr id="2" name="Title 1"/>
+          <p:cNvSpPr>
+            <a:spLocks noGrp="1"/>
+          </p:cNvSpPr>
+          <p:nvPr>
+            <p:ph type="title"/>
+          </p:nvPr>
+        </p:nvSpPr>
+        <p:spPr/>
+        <p:txBody>
+          <a:bodyPr/>
+          <a:lstStyle/>
+          <a:p>
+            <a:r>
+              <a:rPr lang="en-US" dirty="0" smtClean="0"/>
+              <a:t>Python Packages</a:t>
+            </a:r>
+            <a:endParaRPr lang="en-US" dirty="0"/>
+          </a:p>
+        </p:txBody>
+      </p:sp>
+      <p:sp>
+        <p:nvSpPr>
+          <p:cNvPr id="3" name="Content Placeholder 2"/>
+          <p:cNvSpPr>
+            <a:spLocks noGrp="1"/>
+          </p:cNvSpPr>
+          <p:nvPr>
+            <p:ph idx="1"/>
+          </p:nvPr>
+        </p:nvSpPr>
+        <p:spPr/>
+        <p:txBody>
+          <a:bodyPr/>
+          <a:lstStyle/>
+          <a:p>
+            <a:r>
+              <a:rPr lang="en-US" dirty="0" err="1" smtClean="0"/>
+              <a:t>Numpy</a:t>
+            </a:r>
+            <a:endParaRPr lang="en-US" dirty="0" smtClean="0"/>
+          </a:p>
+          <a:p>
+            <a:r>
+              <a:rPr lang="en-US" dirty="0" err="1" smtClean="0"/>
+              <a:t>Scipy</a:t>
+            </a:r>
+            <a:endParaRPr lang="en-US" dirty="0" smtClean="0"/>
+          </a:p>
+          <a:p>
+            <a:r>
+              <a:rPr lang="en-US" dirty="0" err="1" smtClean="0"/>
+              <a:t>Matplotlib</a:t>
+            </a:r>
+            <a:endParaRPr lang="en-US" dirty="0"/>
+          </a:p>
+        </p:txBody>
+      </p:sp>
+    </p:spTree>
+    <p:extLst>
+      <p:ext uri="{BB962C8B-B14F-4D97-AF65-F5344CB8AC3E}">
+        <p14:creationId xmlns:p14="http://schemas.microsoft.com/office/powerpoint/2010/main" val="843046781"/>
+      </p:ext>
+    </p:extLst>
+  </p:cSld>
+  <p:clrMapOvr>
+    <a:masterClrMapping/>
+  </p:clrMapOvr>
+</p:sld>
+</file>
+
+<file path=ppt/slides/slide12.xml><?xml version="1.0" encoding="utf-8"?>
+<p:sld xmlns:a="http://schemas.openxmlformats.org/drawingml/2006/main" xmlns:r="http://schemas.openxmlformats.org/officeDocument/2006/relationships" xmlns:p="http://schemas.openxmlformats.org/presentationml/2006/main">
+  <p:cSld>
+    <p:spTree>
+      <p:nvGrpSpPr>
+        <p:cNvPr id="1" name=""/>
+        <p:cNvGrpSpPr/>
+        <p:nvPr/>
+      </p:nvGrpSpPr>
+      <p:grpSpPr>
+        <a:xfrm>
+          <a:off x="0" y="0"/>
+          <a:ext cx="0" cy="0"/>
+          <a:chOff x="0" y="0"/>
+          <a:chExt cx="0" cy="0"/>
+        </a:xfrm>
+      </p:grpSpPr>
+      <p:sp>
+        <p:nvSpPr>
+          <p:cNvPr id="2" name="Title 1"/>
+          <p:cNvSpPr>
+            <a:spLocks noGrp="1"/>
+          </p:cNvSpPr>
+          <p:nvPr>
+            <p:ph type="title"/>
+          </p:nvPr>
+        </p:nvSpPr>
+        <p:spPr/>
+        <p:txBody>
+          <a:bodyPr/>
+          <a:lstStyle/>
+          <a:p>
+            <a:r>
+              <a:rPr lang="en-US" dirty="0" err="1" smtClean="0"/>
+              <a:t>Obspy</a:t>
+            </a:r>
+            <a:endParaRPr lang="en-US" dirty="0"/>
+          </a:p>
+        </p:txBody>
+      </p:sp>
+      <p:sp>
+        <p:nvSpPr>
+          <p:cNvPr id="5" name="Content Placeholder 4"/>
+          <p:cNvSpPr>
+            <a:spLocks noGrp="1"/>
+          </p:cNvSpPr>
+          <p:nvPr>
+            <p:ph idx="1"/>
+          </p:nvPr>
+        </p:nvSpPr>
+        <p:spPr/>
+        <p:txBody>
+          <a:bodyPr/>
+          <a:lstStyle/>
+          <a:p>
+            <a:r>
+              <a:rPr lang="en-US" dirty="0" smtClean="0"/>
+              <a:t>Python library for rapid development in seismology </a:t>
+            </a:r>
+            <a:endParaRPr lang="en-US" dirty="0" smtClean="0"/>
+          </a:p>
+        </p:txBody>
+      </p:sp>
+      <p:pic>
+        <p:nvPicPr>
+          <p:cNvPr id="6" name="Picture 5" descr="Screen Shot 2014-07-21 at 8.06.04 PM.png"/>
+          <p:cNvPicPr>
+            <a:picLocks noChangeAspect="1"/>
+          </p:cNvPicPr>
+          <p:nvPr/>
+        </p:nvPicPr>
+        <p:blipFill>
+          <a:blip r:embed="rId2">
+            <a:extLst>
+              <a:ext uri="{28A0092B-C50C-407E-A947-70E740481C1C}">
+                <a14:useLocalDpi xmlns:a14="http://schemas.microsoft.com/office/drawing/2010/main" val="0"/>
+              </a:ext>
+            </a:extLst>
+          </a:blip>
+          <a:stretch>
+            <a:fillRect/>
+          </a:stretch>
+        </p:blipFill>
+        <p:spPr>
+          <a:xfrm>
+            <a:off x="0" y="3270250"/>
+            <a:ext cx="9144000" cy="2655883"/>
+          </a:xfrm>
+          <a:prstGeom prst="rect">
+            <a:avLst/>
+          </a:prstGeom>
+        </p:spPr>
+      </p:pic>
+    </p:spTree>
+    <p:extLst>
+      <p:ext uri="{BB962C8B-B14F-4D97-AF65-F5344CB8AC3E}">
+        <p14:creationId xmlns:p14="http://schemas.microsoft.com/office/powerpoint/2010/main" val="1126176899"/>
+      </p:ext>
+    </p:extLst>
+  </p:cSld>
+  <p:clrMapOvr>
+    <a:masterClrMapping/>
+  </p:clrMapOvr>
+</p:sld>
+</file>
+
+<file path=ppt/slides/slide13.xml><?xml version="1.0" encoding="utf-8"?>
+<p:sld xmlns:a="http://schemas.openxmlformats.org/drawingml/2006/main" xmlns:r="http://schemas.openxmlformats.org/officeDocument/2006/relationships" xmlns:p="http://schemas.openxmlformats.org/presentationml/2006/main">
+  <p:cSld>
+    <p:spTree>
+      <p:nvGrpSpPr>
+        <p:cNvPr id="1" name=""/>
+        <p:cNvGrpSpPr/>
+        <p:nvPr/>
+      </p:nvGrpSpPr>
+      <p:grpSpPr>
+        <a:xfrm>
+          <a:off x="0" y="0"/>
+          <a:ext cx="0" cy="0"/>
+          <a:chOff x="0" y="0"/>
+          <a:chExt cx="0" cy="0"/>
+        </a:xfrm>
+      </p:grpSpPr>
+      <p:pic>
+        <p:nvPicPr>
+          <p:cNvPr id="4" name="Picture 3" descr="Screen Shot 2014-07-21 at 8.05.22 PM.png"/>
+          <p:cNvPicPr>
+            <a:picLocks noChangeAspect="1"/>
+          </p:cNvPicPr>
+          <p:nvPr/>
+        </p:nvPicPr>
+        <p:blipFill>
+          <a:blip r:embed="rId2">
+            <a:extLst>
+              <a:ext uri="{28A0092B-C50C-407E-A947-70E740481C1C}">
+                <a14:useLocalDpi xmlns:a14="http://schemas.microsoft.com/office/drawing/2010/main" val="0"/>
+              </a:ext>
+            </a:extLst>
+          </a:blip>
+          <a:stretch>
+            <a:fillRect/>
+          </a:stretch>
+        </p:blipFill>
+        <p:spPr>
+          <a:xfrm>
+            <a:off x="927100" y="0"/>
+            <a:ext cx="7266325" cy="6858000"/>
+          </a:xfrm>
+          <a:prstGeom prst="rect">
+            <a:avLst/>
+          </a:prstGeom>
+        </p:spPr>
+      </p:pic>
+    </p:spTree>
+    <p:extLst>
+      <p:ext uri="{BB962C8B-B14F-4D97-AF65-F5344CB8AC3E}">
+        <p14:creationId xmlns:p14="http://schemas.microsoft.com/office/powerpoint/2010/main" val="630669859"/>
+      </p:ext>
+    </p:extLst>
+  </p:cSld>
+  <p:clrMapOvr>
+    <a:masterClrMapping/>
+  </p:clrMapOvr>
+</p:sld>
+</file>
+
+<file path=ppt/slides/slide14.xml><?xml version="1.0" encoding="utf-8"?>
+<p:sld xmlns:a="http://schemas.openxmlformats.org/drawingml/2006/main" xmlns:r="http://schemas.openxmlformats.org/officeDocument/2006/relationships" xmlns:p="http://schemas.openxmlformats.org/presentationml/2006/main">
+  <p:cSld>
+    <p:spTree>
+      <p:nvGrpSpPr>
+        <p:cNvPr id="1" name=""/>
+        <p:cNvGrpSpPr/>
+        <p:nvPr/>
+      </p:nvGrpSpPr>
+      <p:grpSpPr>
+        <a:xfrm>
+          <a:off x="0" y="0"/>
+          <a:ext cx="0" cy="0"/>
+          <a:chOff x="0" y="0"/>
+          <a:chExt cx="0" cy="0"/>
+        </a:xfrm>
+      </p:grpSpPr>
+      <p:sp>
+        <p:nvSpPr>
+          <p:cNvPr id="2" name="Title 1"/>
+          <p:cNvSpPr>
+            <a:spLocks noGrp="1"/>
+          </p:cNvSpPr>
+          <p:nvPr>
+            <p:ph type="title"/>
+          </p:nvPr>
+        </p:nvSpPr>
+        <p:spPr>
+          <a:xfrm>
+            <a:off x="457200" y="0"/>
+            <a:ext cx="8229600" cy="1143000"/>
+          </a:xfrm>
+        </p:spPr>
+        <p:txBody>
+          <a:bodyPr/>
+          <a:lstStyle/>
+          <a:p>
+            <a:r>
+              <a:rPr lang="en-US" dirty="0" smtClean="0"/>
+              <a:t>Python -Geos</a:t>
+            </a:r>
+            <a:endParaRPr lang="en-US" dirty="0"/>
+          </a:p>
+        </p:txBody>
+      </p:sp>
+      <p:pic>
+        <p:nvPicPr>
+          <p:cNvPr id="4" name="Picture 3" descr="Screen Shot 2014-07-21 at 8.55.58 PM.png"/>
+          <p:cNvPicPr>
+            <a:picLocks noChangeAspect="1"/>
+          </p:cNvPicPr>
+          <p:nvPr/>
+        </p:nvPicPr>
+        <p:blipFill>
+          <a:blip r:embed="rId2">
+            <a:extLst>
+              <a:ext uri="{28A0092B-C50C-407E-A947-70E740481C1C}">
+                <a14:useLocalDpi xmlns:a14="http://schemas.microsoft.com/office/drawing/2010/main" val="0"/>
+              </a:ext>
+            </a:extLst>
+          </a:blip>
+          <a:stretch>
+            <a:fillRect/>
+          </a:stretch>
+        </p:blipFill>
+        <p:spPr>
+          <a:xfrm>
+            <a:off x="568325" y="1143000"/>
+            <a:ext cx="7899400" cy="5524500"/>
+          </a:xfrm>
+          <a:prstGeom prst="rect">
+            <a:avLst/>
+          </a:prstGeom>
+        </p:spPr>
+      </p:pic>
+    </p:spTree>
+    <p:extLst>
+      <p:ext uri="{BB962C8B-B14F-4D97-AF65-F5344CB8AC3E}">
+        <p14:creationId xmlns:p14="http://schemas.microsoft.com/office/powerpoint/2010/main" val="2063609857"/>
+      </p:ext>
+    </p:extLst>
+  </p:cSld>
+  <p:clrMapOvr>
+    <a:masterClrMapping/>
+  </p:clrMapOvr>
+</p:sld>
+</file>
+
+<file path=ppt/slides/slide15.xml><?xml version="1.0" encoding="utf-8"?>
+<p:sld xmlns:a="http://schemas.openxmlformats.org/drawingml/2006/main" xmlns:r="http://schemas.openxmlformats.org/officeDocument/2006/relationships" xmlns:p="http://schemas.openxmlformats.org/presentationml/2006/main">
+  <p:cSld>
+    <p:spTree>
+      <p:nvGrpSpPr>
+        <p:cNvPr id="1" name=""/>
+        <p:cNvGrpSpPr/>
+        <p:nvPr/>
+      </p:nvGrpSpPr>
+      <p:grpSpPr>
+        <a:xfrm>
+          <a:off x="0" y="0"/>
+          <a:ext cx="0" cy="0"/>
+          <a:chOff x="0" y="0"/>
+          <a:chExt cx="0" cy="0"/>
+        </a:xfrm>
+      </p:grpSpPr>
+      <p:sp>
+        <p:nvSpPr>
+          <p:cNvPr id="4" name="Title 3"/>
+          <p:cNvSpPr>
+            <a:spLocks noGrp="1"/>
+          </p:cNvSpPr>
+          <p:nvPr>
+            <p:ph type="title"/>
+          </p:nvPr>
+        </p:nvSpPr>
+        <p:spPr/>
+        <p:txBody>
+          <a:bodyPr/>
+          <a:lstStyle/>
+          <a:p>
+            <a:r>
+              <a:rPr lang="en-US" dirty="0" smtClean="0"/>
+              <a:t>Python - </a:t>
+            </a:r>
+            <a:r>
+              <a:rPr lang="en-US" dirty="0" err="1" smtClean="0"/>
+              <a:t>Basemap</a:t>
+            </a:r>
+            <a:endParaRPr lang="en-US" dirty="0"/>
+          </a:p>
+        </p:txBody>
+      </p:sp>
+      <p:pic>
+        <p:nvPicPr>
+          <p:cNvPr id="5" name="Picture 4" descr="Screen Shot 2014-07-21 at 8.57.38 PM.png"/>
+          <p:cNvPicPr>
+            <a:picLocks noChangeAspect="1"/>
+          </p:cNvPicPr>
+          <p:nvPr/>
+        </p:nvPicPr>
+        <p:blipFill>
+          <a:blip r:embed="rId2">
+            <a:extLst>
+              <a:ext uri="{28A0092B-C50C-407E-A947-70E740481C1C}">
+                <a14:useLocalDpi xmlns:a14="http://schemas.microsoft.com/office/drawing/2010/main" val="0"/>
+              </a:ext>
+            </a:extLst>
+          </a:blip>
+          <a:stretch>
+            <a:fillRect/>
+          </a:stretch>
+        </p:blipFill>
+        <p:spPr>
+          <a:xfrm>
+            <a:off x="0" y="2066925"/>
+            <a:ext cx="9144000" cy="3559969"/>
+          </a:xfrm>
+          <a:prstGeom prst="rect">
+            <a:avLst/>
+          </a:prstGeom>
+        </p:spPr>
+      </p:pic>
+    </p:spTree>
+    <p:extLst>
+      <p:ext uri="{BB962C8B-B14F-4D97-AF65-F5344CB8AC3E}">
+        <p14:creationId xmlns:p14="http://schemas.microsoft.com/office/powerpoint/2010/main" val="1236542897"/>
+      </p:ext>
+    </p:extLst>
+  </p:cSld>
+  <p:clrMapOvr>
+    <a:masterClrMapping/>
+  </p:clrMapOvr>
+</p:sld>
+</file>
+
+<file path=ppt/slides/slide16.xml><?xml version="1.0" encoding="utf-8"?>
+<p:sld xmlns:a="http://schemas.openxmlformats.org/drawingml/2006/main" xmlns:r="http://schemas.openxmlformats.org/officeDocument/2006/relationships" xmlns:p="http://schemas.openxmlformats.org/presentationml/2006/main">
+  <p:cSld>
+    <p:spTree>
+      <p:nvGrpSpPr>
+        <p:cNvPr id="1" name=""/>
+        <p:cNvGrpSpPr/>
+        <p:nvPr/>
+      </p:nvGrpSpPr>
+      <p:grpSpPr>
+        <a:xfrm>
+          <a:off x="0" y="0"/>
+          <a:ext cx="0" cy="0"/>
+          <a:chOff x="0" y="0"/>
+          <a:chExt cx="0" cy="0"/>
+        </a:xfrm>
+      </p:grpSpPr>
+      <p:sp>
+        <p:nvSpPr>
+          <p:cNvPr id="4" name="Title 3"/>
+          <p:cNvSpPr>
+            <a:spLocks noGrp="1"/>
+          </p:cNvSpPr>
+          <p:nvPr>
+            <p:ph type="ctrTitle"/>
+          </p:nvPr>
+        </p:nvSpPr>
+        <p:spPr>
+          <a:solidFill>
+            <a:schemeClr val="tx1"/>
+          </a:solidFill>
+        </p:spPr>
+        <p:txBody>
+          <a:bodyPr/>
+          <a:lstStyle/>
+          <a:p>
+            <a:r>
+              <a:rPr lang="en-US" dirty="0" smtClean="0">
+                <a:solidFill>
+                  <a:schemeClr val="bg1"/>
+                </a:solidFill>
+              </a:rPr>
+              <a:t>Installing AIMBAT</a:t>
+            </a:r>
+            <a:endParaRPr lang="en-US" dirty="0">
+              <a:solidFill>
+                <a:schemeClr val="bg1"/>
+              </a:solidFill>
+            </a:endParaRPr>
+          </a:p>
+        </p:txBody>
+      </p:sp>
+      <p:sp>
+        <p:nvSpPr>
+          <p:cNvPr id="5" name="Subtitle 4"/>
+          <p:cNvSpPr>
+            <a:spLocks noGrp="1"/>
+          </p:cNvSpPr>
+          <p:nvPr>
+            <p:ph type="subTitle" idx="1"/>
+          </p:nvPr>
+        </p:nvSpPr>
+        <p:spPr/>
+        <p:txBody>
+          <a:bodyPr/>
+          <a:lstStyle/>
+          <a:p>
+            <a:endParaRPr lang="en-US"/>
+          </a:p>
+        </p:txBody>
+      </p:sp>
+    </p:spTree>
+    <p:extLst>
+      <p:ext uri="{BB962C8B-B14F-4D97-AF65-F5344CB8AC3E}">
+        <p14:creationId xmlns:p14="http://schemas.microsoft.com/office/powerpoint/2010/main" val="1145749200"/>
+      </p:ext>
+    </p:extLst>
+  </p:cSld>
+  <p:clrMapOvr>
+    <a:masterClrMapping/>
+  </p:clrMapOvr>
+</p:sld>
+</file>
+
+<file path=ppt/slides/slide17.xml><?xml version="1.0" encoding="utf-8"?>
+<p:sld xmlns:a="http://schemas.openxmlformats.org/drawingml/2006/main" xmlns:r="http://schemas.openxmlformats.org/officeDocument/2006/relationships" xmlns:p="http://schemas.openxmlformats.org/presentationml/2006/main">
+  <p:cSld>
+    <p:spTree>
+      <p:nvGrpSpPr>
+        <p:cNvPr id="1" name=""/>
+        <p:cNvGrpSpPr/>
+        <p:nvPr/>
+      </p:nvGrpSpPr>
+      <p:grpSpPr>
+        <a:xfrm>
+          <a:off x="0" y="0"/>
+          <a:ext cx="0" cy="0"/>
+          <a:chOff x="0" y="0"/>
+          <a:chExt cx="0" cy="0"/>
+        </a:xfrm>
+      </p:grpSpPr>
+      <p:sp>
+        <p:nvSpPr>
+          <p:cNvPr id="4" name="Title 3"/>
+          <p:cNvSpPr>
+            <a:spLocks noGrp="1"/>
+          </p:cNvSpPr>
+          <p:nvPr>
+            <p:ph type="title"/>
+          </p:nvPr>
+        </p:nvSpPr>
+        <p:spPr/>
+        <p:txBody>
+          <a:bodyPr/>
+          <a:lstStyle/>
+          <a:p>
+            <a:r>
+              <a:rPr lang="en-US" dirty="0" smtClean="0"/>
+              <a:t>Installing AIMBAT</a:t>
+            </a:r>
+            <a:endParaRPr lang="en-US" dirty="0"/>
+          </a:p>
+        </p:txBody>
+      </p:sp>
+      <p:sp>
+        <p:nvSpPr>
+          <p:cNvPr id="6" name="Content Placeholder 5"/>
+          <p:cNvSpPr>
+            <a:spLocks noGrp="1"/>
+          </p:cNvSpPr>
+          <p:nvPr>
+            <p:ph idx="1"/>
+          </p:nvPr>
+        </p:nvSpPr>
+        <p:spPr/>
+        <p:txBody>
+          <a:bodyPr/>
+          <a:lstStyle/>
+          <a:p>
+            <a:r>
+              <a:rPr lang="en-US" dirty="0" smtClean="0"/>
+              <a:t>Install </a:t>
+            </a:r>
+            <a:r>
+              <a:rPr lang="en-US" dirty="0" err="1" smtClean="0"/>
+              <a:t>pysmo.sac</a:t>
+            </a:r>
+            <a:endParaRPr lang="en-US" dirty="0" smtClean="0"/>
+          </a:p>
+          <a:p>
+            <a:endParaRPr lang="en-US" dirty="0"/>
+          </a:p>
+        </p:txBody>
+      </p:sp>
+      <p:pic>
+        <p:nvPicPr>
+          <p:cNvPr id="2" name="Picture 1" descr="Screen Shot 2014-07-21 at 8.58.24 PM.png"/>
+          <p:cNvPicPr>
+            <a:picLocks noChangeAspect="1"/>
+          </p:cNvPicPr>
+          <p:nvPr/>
+        </p:nvPicPr>
+        <p:blipFill>
+          <a:blip r:embed="rId2">
+            <a:extLst>
+              <a:ext uri="{28A0092B-C50C-407E-A947-70E740481C1C}">
+                <a14:useLocalDpi xmlns:a14="http://schemas.microsoft.com/office/drawing/2010/main" val="0"/>
+              </a:ext>
+            </a:extLst>
+          </a:blip>
+          <a:stretch>
+            <a:fillRect/>
+          </a:stretch>
+        </p:blipFill>
+        <p:spPr>
+          <a:xfrm>
+            <a:off x="711200" y="2301875"/>
+            <a:ext cx="7721600" cy="4191000"/>
+          </a:xfrm>
+          <a:prstGeom prst="rect">
+            <a:avLst/>
+          </a:prstGeom>
+        </p:spPr>
+      </p:pic>
+    </p:spTree>
+    <p:extLst>
+      <p:ext uri="{BB962C8B-B14F-4D97-AF65-F5344CB8AC3E}">
+        <p14:creationId xmlns:p14="http://schemas.microsoft.com/office/powerpoint/2010/main" val="3426339041"/>
+      </p:ext>
+    </p:extLst>
+  </p:cSld>
+  <p:clrMapOvr>
+    <a:masterClrMapping/>
+  </p:clrMapOvr>
+</p:sld>
+</file>
+
+<file path=ppt/slides/slide18.xml><?xml version="1.0" encoding="utf-8"?>
+<p:sld xmlns:a="http://schemas.openxmlformats.org/drawingml/2006/main" xmlns:r="http://schemas.openxmlformats.org/officeDocument/2006/relationships" xmlns:p="http://schemas.openxmlformats.org/presentationml/2006/main">
+  <p:cSld>
+    <p:spTree>
+      <p:nvGrpSpPr>
+        <p:cNvPr id="1" name=""/>
+        <p:cNvGrpSpPr/>
+        <p:nvPr/>
+      </p:nvGrpSpPr>
+      <p:grpSpPr>
+        <a:xfrm>
+          <a:off x="0" y="0"/>
+          <a:ext cx="0" cy="0"/>
+          <a:chOff x="0" y="0"/>
+          <a:chExt cx="0" cy="0"/>
+        </a:xfrm>
+      </p:grpSpPr>
+      <p:sp>
+        <p:nvSpPr>
+          <p:cNvPr id="2" name="Title 1"/>
+          <p:cNvSpPr>
+            <a:spLocks noGrp="1"/>
+          </p:cNvSpPr>
+          <p:nvPr>
+            <p:ph type="title"/>
+          </p:nvPr>
+        </p:nvSpPr>
+        <p:spPr/>
+        <p:txBody>
+          <a:bodyPr/>
+          <a:lstStyle/>
+          <a:p>
+            <a:r>
+              <a:rPr lang="en-US" dirty="0" smtClean="0"/>
+              <a:t>.</a:t>
+            </a:r>
+            <a:r>
+              <a:rPr lang="en-US" dirty="0" err="1" smtClean="0"/>
+              <a:t>bash_profile</a:t>
+            </a:r>
+            <a:endParaRPr lang="en-US" dirty="0"/>
+          </a:p>
+        </p:txBody>
+      </p:sp>
+      <p:sp>
+        <p:nvSpPr>
+          <p:cNvPr id="4" name="Content Placeholder 3"/>
+          <p:cNvSpPr>
+            <a:spLocks noGrp="1"/>
+          </p:cNvSpPr>
+          <p:nvPr>
+            <p:ph idx="1"/>
+          </p:nvPr>
+        </p:nvSpPr>
+        <p:spPr/>
+        <p:txBody>
+          <a:bodyPr/>
+          <a:lstStyle/>
+          <a:p>
+            <a:r>
+              <a:rPr lang="en-US" dirty="0" err="1" smtClean="0"/>
+              <a:t>Ls</a:t>
+            </a:r>
+            <a:r>
+              <a:rPr lang="en-US" dirty="0"/>
+              <a:t> </a:t>
+            </a:r>
+            <a:r>
+              <a:rPr lang="en-US" dirty="0" smtClean="0"/>
+              <a:t>–a</a:t>
+            </a:r>
+          </a:p>
+          <a:p>
+            <a:r>
+              <a:rPr lang="en-US" dirty="0" smtClean="0"/>
+              <a:t>Vi .</a:t>
+            </a:r>
+            <a:r>
+              <a:rPr lang="en-US" dirty="0" err="1" smtClean="0"/>
+              <a:t>bash_profile</a:t>
+            </a:r>
+            <a:endParaRPr lang="en-US" dirty="0"/>
+          </a:p>
+        </p:txBody>
+      </p:sp>
+    </p:spTree>
+    <p:extLst>
+      <p:ext uri="{BB962C8B-B14F-4D97-AF65-F5344CB8AC3E}">
+        <p14:creationId xmlns:p14="http://schemas.microsoft.com/office/powerpoint/2010/main" val="3473444818"/>
+      </p:ext>
+    </p:extLst>
+  </p:cSld>
+  <p:clrMapOvr>
+    <a:masterClrMapping/>
+  </p:clrMapOvr>
+</p:sld>
+</file>
+
+<file path=ppt/slides/slide19.xml><?xml version="1.0" encoding="utf-8"?>
+<p:sld xmlns:a="http://schemas.openxmlformats.org/drawingml/2006/main" xmlns:r="http://schemas.openxmlformats.org/officeDocument/2006/relationships" xmlns:p="http://schemas.openxmlformats.org/presentationml/2006/main">
+  <p:cSld>
+    <p:spTree>
+      <p:nvGrpSpPr>
+        <p:cNvPr id="1" name=""/>
+        <p:cNvGrpSpPr/>
+        <p:nvPr/>
+      </p:nvGrpSpPr>
+      <p:grpSpPr>
+        <a:xfrm>
+          <a:off x="0" y="0"/>
+          <a:ext cx="0" cy="0"/>
+          <a:chOff x="0" y="0"/>
+          <a:chExt cx="0" cy="0"/>
+        </a:xfrm>
+      </p:grpSpPr>
+      <p:pic>
+        <p:nvPicPr>
+          <p:cNvPr id="4" name="Picture 3" descr="Screen Shot 2014-07-21 at 9.06.12 PM.png"/>
+          <p:cNvPicPr>
+            <a:picLocks noChangeAspect="1"/>
+          </p:cNvPicPr>
+          <p:nvPr/>
+        </p:nvPicPr>
+        <p:blipFill>
+          <a:blip r:embed="rId2">
+            <a:extLst>
+              <a:ext uri="{28A0092B-C50C-407E-A947-70E740481C1C}">
+                <a14:useLocalDpi xmlns:a14="http://schemas.microsoft.com/office/drawing/2010/main" val="0"/>
+              </a:ext>
+            </a:extLst>
+          </a:blip>
+          <a:stretch>
+            <a:fillRect/>
+          </a:stretch>
+        </p:blipFill>
+        <p:spPr>
+          <a:xfrm>
+            <a:off x="206375" y="673101"/>
+            <a:ext cx="8518669" cy="5486400"/>
+          </a:xfrm>
+          <a:prstGeom prst="rect">
+            <a:avLst/>
+          </a:prstGeom>
+        </p:spPr>
+      </p:pic>
+    </p:spTree>
+    <p:extLst>
+      <p:ext uri="{BB962C8B-B14F-4D97-AF65-F5344CB8AC3E}">
+        <p14:creationId xmlns:p14="http://schemas.microsoft.com/office/powerpoint/2010/main" val="1739204471"/>
       </p:ext>
     </p:extLst>
   </p:cSld>
@@ -3239,7 +4172,7 @@
           <a:p>
             <a:r>
               <a:rPr lang="en-US" dirty="0" smtClean="0"/>
-              <a:t>AIMBAT</a:t>
+              <a:t>Contents</a:t>
             </a:r>
             <a:endParaRPr lang="en-US" dirty="0"/>
           </a:p>
@@ -3262,46 +4195,26 @@
           <a:p>
             <a:r>
               <a:rPr lang="en-US" dirty="0" smtClean="0"/>
-              <a:t>Python tool for measuring </a:t>
-            </a:r>
-            <a:r>
-              <a:rPr lang="en-US" dirty="0" err="1" smtClean="0"/>
-              <a:t>teleseismic</a:t>
-            </a:r>
+              <a:t>Introduction to AIMBAT</a:t>
+            </a:r>
+          </a:p>
+          <a:p>
             <a:r>
               <a:rPr lang="en-US" dirty="0" smtClean="0"/>
-              <a:t> arrival times for large seismic arrays</a:t>
+              <a:t>Installing dependencies</a:t>
             </a:r>
           </a:p>
           <a:p>
             <a:r>
               <a:rPr lang="en-US" dirty="0" smtClean="0"/>
-              <a:t>Open source</a:t>
+              <a:t>Installing AIMBAT</a:t>
             </a:r>
           </a:p>
           <a:p>
             <a:r>
               <a:rPr lang="en-US" dirty="0" smtClean="0"/>
-              <a:t>Aligns seismograms by ICCS (iterative cross-correlation and stack)</a:t>
-            </a:r>
-          </a:p>
-          <a:p>
-            <a:r>
-              <a:rPr lang="en-US" dirty="0" smtClean="0"/>
-              <a:t>Picks arrival times by Multi-channel cross-correlation</a:t>
-            </a:r>
-          </a:p>
-          <a:p>
-            <a:r>
-              <a:rPr lang="en-US" dirty="0" smtClean="0"/>
-              <a:t>GUI for user to fine-tune arrival times</a:t>
-            </a:r>
-          </a:p>
-          <a:p>
-            <a:endParaRPr lang="en-US" dirty="0" smtClean="0"/>
-          </a:p>
-          <a:p>
-            <a:endParaRPr lang="en-US" dirty="0" smtClean="0"/>
+              <a:t>Picking Travel Wave Arrival Times </a:t>
+            </a:r>
           </a:p>
           <a:p>
             <a:endParaRPr lang="en-US" dirty="0"/>
@@ -3311,7 +4224,843 @@
     </p:spTree>
     <p:extLst>
       <p:ext uri="{BB962C8B-B14F-4D97-AF65-F5344CB8AC3E}">
-        <p14:creationId xmlns:p14="http://schemas.microsoft.com/office/powerpoint/2010/main" val="2470419815"/>
+        <p14:creationId xmlns:p14="http://schemas.microsoft.com/office/powerpoint/2010/main" val="1383484153"/>
+      </p:ext>
+    </p:extLst>
+  </p:cSld>
+  <p:clrMapOvr>
+    <a:masterClrMapping/>
+  </p:clrMapOvr>
+</p:sld>
+</file>
+
+<file path=ppt/slides/slide20.xml><?xml version="1.0" encoding="utf-8"?>
+<p:sld xmlns:a="http://schemas.openxmlformats.org/drawingml/2006/main" xmlns:r="http://schemas.openxmlformats.org/officeDocument/2006/relationships" xmlns:p="http://schemas.openxmlformats.org/presentationml/2006/main">
+  <p:cSld>
+    <p:spTree>
+      <p:nvGrpSpPr>
+        <p:cNvPr id="1" name=""/>
+        <p:cNvGrpSpPr/>
+        <p:nvPr/>
+      </p:nvGrpSpPr>
+      <p:grpSpPr>
+        <a:xfrm>
+          <a:off x="0" y="0"/>
+          <a:ext cx="0" cy="0"/>
+          <a:chOff x="0" y="0"/>
+          <a:chExt cx="0" cy="0"/>
+        </a:xfrm>
+      </p:grpSpPr>
+      <p:sp>
+        <p:nvSpPr>
+          <p:cNvPr id="4" name="Title 3"/>
+          <p:cNvSpPr>
+            <a:spLocks noGrp="1"/>
+          </p:cNvSpPr>
+          <p:nvPr>
+            <p:ph type="title"/>
+          </p:nvPr>
+        </p:nvSpPr>
+        <p:spPr/>
+        <p:txBody>
+          <a:bodyPr/>
+          <a:lstStyle/>
+          <a:p>
+            <a:r>
+              <a:rPr lang="en-US" dirty="0" smtClean="0"/>
+              <a:t>Installing AIMBAT</a:t>
+            </a:r>
+            <a:endParaRPr lang="en-US" dirty="0"/>
+          </a:p>
+        </p:txBody>
+      </p:sp>
+      <p:sp>
+        <p:nvSpPr>
+          <p:cNvPr id="6" name="Content Placeholder 5"/>
+          <p:cNvSpPr>
+            <a:spLocks noGrp="1"/>
+          </p:cNvSpPr>
+          <p:nvPr>
+            <p:ph idx="1"/>
+          </p:nvPr>
+        </p:nvSpPr>
+        <p:spPr/>
+        <p:txBody>
+          <a:bodyPr/>
+          <a:lstStyle/>
+          <a:p>
+            <a:r>
+              <a:rPr lang="en-US" dirty="0" smtClean="0"/>
+              <a:t>Install </a:t>
+            </a:r>
+            <a:r>
+              <a:rPr lang="en-US" dirty="0" err="1" smtClean="0"/>
+              <a:t>pysmo.sac</a:t>
+            </a:r>
+            <a:endParaRPr lang="en-US" dirty="0" smtClean="0"/>
+          </a:p>
+          <a:p>
+            <a:endParaRPr lang="en-US" dirty="0"/>
+          </a:p>
+        </p:txBody>
+      </p:sp>
+      <p:pic>
+        <p:nvPicPr>
+          <p:cNvPr id="2" name="Picture 1" descr="Screen Shot 2014-07-21 at 8.58.49 PM.png"/>
+          <p:cNvPicPr>
+            <a:picLocks noChangeAspect="1"/>
+          </p:cNvPicPr>
+          <p:nvPr/>
+        </p:nvPicPr>
+        <p:blipFill>
+          <a:blip r:embed="rId2">
+            <a:extLst>
+              <a:ext uri="{28A0092B-C50C-407E-A947-70E740481C1C}">
+                <a14:useLocalDpi xmlns:a14="http://schemas.microsoft.com/office/drawing/2010/main" val="0"/>
+              </a:ext>
+            </a:extLst>
+          </a:blip>
+          <a:stretch>
+            <a:fillRect/>
+          </a:stretch>
+        </p:blipFill>
+        <p:spPr>
+          <a:xfrm>
+            <a:off x="682625" y="2417762"/>
+            <a:ext cx="7239000" cy="4152825"/>
+          </a:xfrm>
+          <a:prstGeom prst="rect">
+            <a:avLst/>
+          </a:prstGeom>
+        </p:spPr>
+      </p:pic>
+    </p:spTree>
+    <p:extLst>
+      <p:ext uri="{BB962C8B-B14F-4D97-AF65-F5344CB8AC3E}">
+        <p14:creationId xmlns:p14="http://schemas.microsoft.com/office/powerpoint/2010/main" val="65998729"/>
+      </p:ext>
+    </p:extLst>
+  </p:cSld>
+  <p:clrMapOvr>
+    <a:masterClrMapping/>
+  </p:clrMapOvr>
+</p:sld>
+</file>
+
+<file path=ppt/slides/slide21.xml><?xml version="1.0" encoding="utf-8"?>
+<p:sld xmlns:a="http://schemas.openxmlformats.org/drawingml/2006/main" xmlns:r="http://schemas.openxmlformats.org/officeDocument/2006/relationships" xmlns:p="http://schemas.openxmlformats.org/presentationml/2006/main">
+  <p:cSld>
+    <p:spTree>
+      <p:nvGrpSpPr>
+        <p:cNvPr id="1" name=""/>
+        <p:cNvGrpSpPr/>
+        <p:nvPr/>
+      </p:nvGrpSpPr>
+      <p:grpSpPr>
+        <a:xfrm>
+          <a:off x="0" y="0"/>
+          <a:ext cx="0" cy="0"/>
+          <a:chOff x="0" y="0"/>
+          <a:chExt cx="0" cy="0"/>
+        </a:xfrm>
+      </p:grpSpPr>
+      <p:sp>
+        <p:nvSpPr>
+          <p:cNvPr id="4" name="Title 3"/>
+          <p:cNvSpPr>
+            <a:spLocks noGrp="1"/>
+          </p:cNvSpPr>
+          <p:nvPr>
+            <p:ph type="ctrTitle"/>
+          </p:nvPr>
+        </p:nvSpPr>
+        <p:spPr>
+          <a:solidFill>
+            <a:schemeClr val="tx1"/>
+          </a:solidFill>
+        </p:spPr>
+        <p:txBody>
+          <a:bodyPr/>
+          <a:lstStyle/>
+          <a:p>
+            <a:r>
+              <a:rPr lang="en-US" dirty="0" smtClean="0">
+                <a:solidFill>
+                  <a:schemeClr val="bg1"/>
+                </a:solidFill>
+              </a:rPr>
+              <a:t>Getting Data</a:t>
+            </a:r>
+            <a:endParaRPr lang="en-US" dirty="0">
+              <a:solidFill>
+                <a:schemeClr val="bg1"/>
+              </a:solidFill>
+            </a:endParaRPr>
+          </a:p>
+        </p:txBody>
+      </p:sp>
+      <p:sp>
+        <p:nvSpPr>
+          <p:cNvPr id="5" name="Subtitle 4"/>
+          <p:cNvSpPr>
+            <a:spLocks noGrp="1"/>
+          </p:cNvSpPr>
+          <p:nvPr>
+            <p:ph type="subTitle" idx="1"/>
+          </p:nvPr>
+        </p:nvSpPr>
+        <p:spPr/>
+        <p:txBody>
+          <a:bodyPr/>
+          <a:lstStyle/>
+          <a:p>
+            <a:endParaRPr lang="en-US"/>
+          </a:p>
+        </p:txBody>
+      </p:sp>
+    </p:spTree>
+    <p:extLst>
+      <p:ext uri="{BB962C8B-B14F-4D97-AF65-F5344CB8AC3E}">
+        <p14:creationId xmlns:p14="http://schemas.microsoft.com/office/powerpoint/2010/main" val="1145749200"/>
+      </p:ext>
+    </p:extLst>
+  </p:cSld>
+  <p:clrMapOvr>
+    <a:masterClrMapping/>
+  </p:clrMapOvr>
+</p:sld>
+</file>
+
+<file path=ppt/slides/slide22.xml><?xml version="1.0" encoding="utf-8"?>
+<p:sld xmlns:a="http://schemas.openxmlformats.org/drawingml/2006/main" xmlns:r="http://schemas.openxmlformats.org/officeDocument/2006/relationships" xmlns:p="http://schemas.openxmlformats.org/presentationml/2006/main">
+  <p:cSld>
+    <p:spTree>
+      <p:nvGrpSpPr>
+        <p:cNvPr id="1" name=""/>
+        <p:cNvGrpSpPr/>
+        <p:nvPr/>
+      </p:nvGrpSpPr>
+      <p:grpSpPr>
+        <a:xfrm>
+          <a:off x="0" y="0"/>
+          <a:ext cx="0" cy="0"/>
+          <a:chOff x="0" y="0"/>
+          <a:chExt cx="0" cy="0"/>
+        </a:xfrm>
+      </p:grpSpPr>
+      <p:pic>
+        <p:nvPicPr>
+          <p:cNvPr id="4" name="Picture 3" descr="Screen Shot 2014-07-21 at 9.06.59 PM.png"/>
+          <p:cNvPicPr>
+            <a:picLocks noChangeAspect="1"/>
+          </p:cNvPicPr>
+          <p:nvPr/>
+        </p:nvPicPr>
+        <p:blipFill>
+          <a:blip r:embed="rId2">
+            <a:extLst>
+              <a:ext uri="{28A0092B-C50C-407E-A947-70E740481C1C}">
+                <a14:useLocalDpi xmlns:a14="http://schemas.microsoft.com/office/drawing/2010/main" val="0"/>
+              </a:ext>
+            </a:extLst>
+          </a:blip>
+          <a:stretch>
+            <a:fillRect/>
+          </a:stretch>
+        </p:blipFill>
+        <p:spPr>
+          <a:xfrm>
+            <a:off x="384174" y="301625"/>
+            <a:ext cx="8124825" cy="6436728"/>
+          </a:xfrm>
+          <a:prstGeom prst="rect">
+            <a:avLst/>
+          </a:prstGeom>
+        </p:spPr>
+      </p:pic>
+    </p:spTree>
+    <p:extLst>
+      <p:ext uri="{BB962C8B-B14F-4D97-AF65-F5344CB8AC3E}">
+        <p14:creationId xmlns:p14="http://schemas.microsoft.com/office/powerpoint/2010/main" val="2168385859"/>
+      </p:ext>
+    </p:extLst>
+  </p:cSld>
+  <p:clrMapOvr>
+    <a:masterClrMapping/>
+  </p:clrMapOvr>
+</p:sld>
+</file>
+
+<file path=ppt/slides/slide23.xml><?xml version="1.0" encoding="utf-8"?>
+<p:sld xmlns:a="http://schemas.openxmlformats.org/drawingml/2006/main" xmlns:r="http://schemas.openxmlformats.org/officeDocument/2006/relationships" xmlns:p="http://schemas.openxmlformats.org/presentationml/2006/main">
+  <p:cSld>
+    <p:spTree>
+      <p:nvGrpSpPr>
+        <p:cNvPr id="1" name=""/>
+        <p:cNvGrpSpPr/>
+        <p:nvPr/>
+      </p:nvGrpSpPr>
+      <p:grpSpPr>
+        <a:xfrm>
+          <a:off x="0" y="0"/>
+          <a:ext cx="0" cy="0"/>
+          <a:chOff x="0" y="0"/>
+          <a:chExt cx="0" cy="0"/>
+        </a:xfrm>
+      </p:grpSpPr>
+      <p:sp>
+        <p:nvSpPr>
+          <p:cNvPr id="6" name="Content Placeholder 5"/>
+          <p:cNvSpPr>
+            <a:spLocks noGrp="1"/>
+          </p:cNvSpPr>
+          <p:nvPr>
+            <p:ph idx="1"/>
+          </p:nvPr>
+        </p:nvSpPr>
+        <p:spPr>
+          <a:xfrm>
+            <a:off x="457200" y="4952999"/>
+            <a:ext cx="8229600" cy="1173163"/>
+          </a:xfrm>
+        </p:spPr>
+        <p:txBody>
+          <a:bodyPr/>
+          <a:lstStyle/>
+          <a:p>
+            <a:r>
+              <a:rPr lang="en-US" dirty="0" smtClean="0"/>
+              <a:t>Automates data selection, downloading, routine processing </a:t>
+            </a:r>
+            <a:endParaRPr lang="en-US" dirty="0"/>
+          </a:p>
+        </p:txBody>
+      </p:sp>
+      <p:pic>
+        <p:nvPicPr>
+          <p:cNvPr id="5" name="Picture 4" descr="Screen Shot 2014-07-21 at 9.14.51 PM.png"/>
+          <p:cNvPicPr>
+            <a:picLocks noChangeAspect="1"/>
+          </p:cNvPicPr>
+          <p:nvPr/>
+        </p:nvPicPr>
+        <p:blipFill>
+          <a:blip r:embed="rId2">
+            <a:extLst>
+              <a:ext uri="{28A0092B-C50C-407E-A947-70E740481C1C}">
+                <a14:useLocalDpi xmlns:a14="http://schemas.microsoft.com/office/drawing/2010/main" val="0"/>
+              </a:ext>
+            </a:extLst>
+          </a:blip>
+          <a:stretch>
+            <a:fillRect/>
+          </a:stretch>
+        </p:blipFill>
+        <p:spPr>
+          <a:xfrm>
+            <a:off x="1920875" y="1036638"/>
+            <a:ext cx="5134268" cy="3297237"/>
+          </a:xfrm>
+          <a:prstGeom prst="rect">
+            <a:avLst/>
+          </a:prstGeom>
+        </p:spPr>
+      </p:pic>
+    </p:spTree>
+    <p:extLst>
+      <p:ext uri="{BB962C8B-B14F-4D97-AF65-F5344CB8AC3E}">
+        <p14:creationId xmlns:p14="http://schemas.microsoft.com/office/powerpoint/2010/main" val="3904046120"/>
+      </p:ext>
+    </p:extLst>
+  </p:cSld>
+  <p:clrMapOvr>
+    <a:masterClrMapping/>
+  </p:clrMapOvr>
+</p:sld>
+</file>
+
+<file path=ppt/slides/slide24.xml><?xml version="1.0" encoding="utf-8"?>
+<p:sld xmlns:a="http://schemas.openxmlformats.org/drawingml/2006/main" xmlns:r="http://schemas.openxmlformats.org/officeDocument/2006/relationships" xmlns:p="http://schemas.openxmlformats.org/presentationml/2006/main">
+  <p:cSld>
+    <p:spTree>
+      <p:nvGrpSpPr>
+        <p:cNvPr id="1" name=""/>
+        <p:cNvGrpSpPr/>
+        <p:nvPr/>
+      </p:nvGrpSpPr>
+      <p:grpSpPr>
+        <a:xfrm>
+          <a:off x="0" y="0"/>
+          <a:ext cx="0" cy="0"/>
+          <a:chOff x="0" y="0"/>
+          <a:chExt cx="0" cy="0"/>
+        </a:xfrm>
+      </p:grpSpPr>
+      <p:pic>
+        <p:nvPicPr>
+          <p:cNvPr id="2" name="Picture 1" descr="Screen Shot 2014-07-21 at 9.14.09 PM.png"/>
+          <p:cNvPicPr>
+            <a:picLocks noChangeAspect="1"/>
+          </p:cNvPicPr>
+          <p:nvPr/>
+        </p:nvPicPr>
+        <p:blipFill>
+          <a:blip r:embed="rId2">
+            <a:extLst>
+              <a:ext uri="{28A0092B-C50C-407E-A947-70E740481C1C}">
+                <a14:useLocalDpi xmlns:a14="http://schemas.microsoft.com/office/drawing/2010/main" val="0"/>
+              </a:ext>
+            </a:extLst>
+          </a:blip>
+          <a:stretch>
+            <a:fillRect/>
+          </a:stretch>
+        </p:blipFill>
+        <p:spPr>
+          <a:xfrm>
+            <a:off x="0" y="369888"/>
+            <a:ext cx="9144000" cy="6194652"/>
+          </a:xfrm>
+          <a:prstGeom prst="rect">
+            <a:avLst/>
+          </a:prstGeom>
+        </p:spPr>
+      </p:pic>
+    </p:spTree>
+    <p:extLst>
+      <p:ext uri="{BB962C8B-B14F-4D97-AF65-F5344CB8AC3E}">
+        <p14:creationId xmlns:p14="http://schemas.microsoft.com/office/powerpoint/2010/main" val="2072946250"/>
+      </p:ext>
+    </p:extLst>
+  </p:cSld>
+  <p:clrMapOvr>
+    <a:masterClrMapping/>
+  </p:clrMapOvr>
+</p:sld>
+</file>
+
+<file path=ppt/slides/slide25.xml><?xml version="1.0" encoding="utf-8"?>
+<p:sld xmlns:a="http://schemas.openxmlformats.org/drawingml/2006/main" xmlns:r="http://schemas.openxmlformats.org/officeDocument/2006/relationships" xmlns:p="http://schemas.openxmlformats.org/presentationml/2006/main">
+  <p:cSld>
+    <p:spTree>
+      <p:nvGrpSpPr>
+        <p:cNvPr id="1" name=""/>
+        <p:cNvGrpSpPr/>
+        <p:nvPr/>
+      </p:nvGrpSpPr>
+      <p:grpSpPr>
+        <a:xfrm>
+          <a:off x="0" y="0"/>
+          <a:ext cx="0" cy="0"/>
+          <a:chOff x="0" y="0"/>
+          <a:chExt cx="0" cy="0"/>
+        </a:xfrm>
+      </p:grpSpPr>
+      <p:sp>
+        <p:nvSpPr>
+          <p:cNvPr id="2" name="Title 1"/>
+          <p:cNvSpPr>
+            <a:spLocks noGrp="1"/>
+          </p:cNvSpPr>
+          <p:nvPr>
+            <p:ph type="title"/>
+          </p:nvPr>
+        </p:nvSpPr>
+        <p:spPr/>
+        <p:txBody>
+          <a:bodyPr/>
+          <a:lstStyle/>
+          <a:p>
+            <a:r>
+              <a:rPr lang="en-US" dirty="0" err="1" smtClean="0"/>
+              <a:t>Obspy</a:t>
+            </a:r>
+            <a:r>
+              <a:rPr lang="en-US" dirty="0" smtClean="0"/>
+              <a:t> – download IRIS data</a:t>
+            </a:r>
+            <a:endParaRPr lang="en-US" dirty="0"/>
+          </a:p>
+        </p:txBody>
+      </p:sp>
+      <p:pic>
+        <p:nvPicPr>
+          <p:cNvPr id="4" name="Picture 3" descr="Screen Shot 2014-07-21 at 9.26.37 PM.png"/>
+          <p:cNvPicPr>
+            <a:picLocks noChangeAspect="1"/>
+          </p:cNvPicPr>
+          <p:nvPr/>
+        </p:nvPicPr>
+        <p:blipFill>
+          <a:blip r:embed="rId2">
+            <a:extLst>
+              <a:ext uri="{28A0092B-C50C-407E-A947-70E740481C1C}">
+                <a14:useLocalDpi xmlns:a14="http://schemas.microsoft.com/office/drawing/2010/main" val="0"/>
+              </a:ext>
+            </a:extLst>
+          </a:blip>
+          <a:stretch>
+            <a:fillRect/>
+          </a:stretch>
+        </p:blipFill>
+        <p:spPr>
+          <a:xfrm>
+            <a:off x="0" y="2466975"/>
+            <a:ext cx="9144000" cy="2713182"/>
+          </a:xfrm>
+          <a:prstGeom prst="rect">
+            <a:avLst/>
+          </a:prstGeom>
+        </p:spPr>
+      </p:pic>
+    </p:spTree>
+    <p:extLst>
+      <p:ext uri="{BB962C8B-B14F-4D97-AF65-F5344CB8AC3E}">
+        <p14:creationId xmlns:p14="http://schemas.microsoft.com/office/powerpoint/2010/main" val="3045469472"/>
+      </p:ext>
+    </p:extLst>
+  </p:cSld>
+  <p:clrMapOvr>
+    <a:masterClrMapping/>
+  </p:clrMapOvr>
+</p:sld>
+</file>
+
+<file path=ppt/slides/slide26.xml><?xml version="1.0" encoding="utf-8"?>
+<p:sld xmlns:a="http://schemas.openxmlformats.org/drawingml/2006/main" xmlns:r="http://schemas.openxmlformats.org/officeDocument/2006/relationships" xmlns:p="http://schemas.openxmlformats.org/presentationml/2006/main">
+  <p:cSld>
+    <p:spTree>
+      <p:nvGrpSpPr>
+        <p:cNvPr id="1" name=""/>
+        <p:cNvGrpSpPr/>
+        <p:nvPr/>
+      </p:nvGrpSpPr>
+      <p:grpSpPr>
+        <a:xfrm>
+          <a:off x="0" y="0"/>
+          <a:ext cx="0" cy="0"/>
+          <a:chOff x="0" y="0"/>
+          <a:chExt cx="0" cy="0"/>
+        </a:xfrm>
+      </p:grpSpPr>
+      <p:sp>
+        <p:nvSpPr>
+          <p:cNvPr id="4" name="Title 3"/>
+          <p:cNvSpPr>
+            <a:spLocks noGrp="1"/>
+          </p:cNvSpPr>
+          <p:nvPr>
+            <p:ph type="ctrTitle"/>
+          </p:nvPr>
+        </p:nvSpPr>
+        <p:spPr>
+          <a:solidFill>
+            <a:schemeClr val="tx1"/>
+          </a:solidFill>
+        </p:spPr>
+        <p:txBody>
+          <a:bodyPr/>
+          <a:lstStyle/>
+          <a:p>
+            <a:r>
+              <a:rPr lang="en-US" dirty="0" smtClean="0">
+                <a:solidFill>
+                  <a:schemeClr val="bg1"/>
+                </a:solidFill>
+              </a:rPr>
+              <a:t>Picking Travel Wave </a:t>
+            </a:r>
+            <a:br>
+              <a:rPr lang="en-US" dirty="0" smtClean="0">
+                <a:solidFill>
+                  <a:schemeClr val="bg1"/>
+                </a:solidFill>
+              </a:rPr>
+            </a:br>
+            <a:r>
+              <a:rPr lang="en-US" dirty="0" smtClean="0">
+                <a:solidFill>
+                  <a:schemeClr val="bg1"/>
+                </a:solidFill>
+              </a:rPr>
+              <a:t>Arrival Times</a:t>
+            </a:r>
+            <a:endParaRPr lang="en-US" dirty="0">
+              <a:solidFill>
+                <a:schemeClr val="bg1"/>
+              </a:solidFill>
+            </a:endParaRPr>
+          </a:p>
+        </p:txBody>
+      </p:sp>
+      <p:sp>
+        <p:nvSpPr>
+          <p:cNvPr id="5" name="Subtitle 4"/>
+          <p:cNvSpPr>
+            <a:spLocks noGrp="1"/>
+          </p:cNvSpPr>
+          <p:nvPr>
+            <p:ph type="subTitle" idx="1"/>
+          </p:nvPr>
+        </p:nvSpPr>
+        <p:spPr/>
+        <p:txBody>
+          <a:bodyPr/>
+          <a:lstStyle/>
+          <a:p>
+            <a:endParaRPr lang="en-US"/>
+          </a:p>
+        </p:txBody>
+      </p:sp>
+    </p:spTree>
+    <p:extLst>
+      <p:ext uri="{BB962C8B-B14F-4D97-AF65-F5344CB8AC3E}">
+        <p14:creationId xmlns:p14="http://schemas.microsoft.com/office/powerpoint/2010/main" val="1145749200"/>
+      </p:ext>
+    </p:extLst>
+  </p:cSld>
+  <p:clrMapOvr>
+    <a:masterClrMapping/>
+  </p:clrMapOvr>
+</p:sld>
+</file>
+
+<file path=ppt/slides/slide27.xml><?xml version="1.0" encoding="utf-8"?>
+<p:sld xmlns:a="http://schemas.openxmlformats.org/drawingml/2006/main" xmlns:r="http://schemas.openxmlformats.org/officeDocument/2006/relationships" xmlns:p="http://schemas.openxmlformats.org/presentationml/2006/main">
+  <p:cSld>
+    <p:spTree>
+      <p:nvGrpSpPr>
+        <p:cNvPr id="1" name=""/>
+        <p:cNvGrpSpPr/>
+        <p:nvPr/>
+      </p:nvGrpSpPr>
+      <p:grpSpPr>
+        <a:xfrm>
+          <a:off x="0" y="0"/>
+          <a:ext cx="0" cy="0"/>
+          <a:chOff x="0" y="0"/>
+          <a:chExt cx="0" cy="0"/>
+        </a:xfrm>
+      </p:grpSpPr>
+      <p:sp>
+        <p:nvSpPr>
+          <p:cNvPr id="2" name="Title 1"/>
+          <p:cNvSpPr>
+            <a:spLocks noGrp="1"/>
+          </p:cNvSpPr>
+          <p:nvPr>
+            <p:ph type="title"/>
+          </p:nvPr>
+        </p:nvSpPr>
+        <p:spPr/>
+        <p:txBody>
+          <a:bodyPr/>
+          <a:lstStyle/>
+          <a:p>
+            <a:r>
+              <a:rPr lang="en-US" dirty="0" err="1" smtClean="0"/>
+              <a:t>Ttpick.py</a:t>
+            </a:r>
+            <a:endParaRPr lang="en-US" dirty="0"/>
+          </a:p>
+        </p:txBody>
+      </p:sp>
+      <p:pic>
+        <p:nvPicPr>
+          <p:cNvPr id="4" name="Picture 3" descr="pick_travel_times.png"/>
+          <p:cNvPicPr>
+            <a:picLocks noChangeAspect="1"/>
+          </p:cNvPicPr>
+          <p:nvPr/>
+        </p:nvPicPr>
+        <p:blipFill>
+          <a:blip r:embed="rId2">
+            <a:extLst>
+              <a:ext uri="{28A0092B-C50C-407E-A947-70E740481C1C}">
+                <a14:useLocalDpi xmlns:a14="http://schemas.microsoft.com/office/drawing/2010/main" val="0"/>
+              </a:ext>
+            </a:extLst>
+          </a:blip>
+          <a:stretch>
+            <a:fillRect/>
+          </a:stretch>
+        </p:blipFill>
+        <p:spPr>
+          <a:xfrm>
+            <a:off x="0" y="1417638"/>
+            <a:ext cx="9144000" cy="4932745"/>
+          </a:xfrm>
+          <a:prstGeom prst="rect">
+            <a:avLst/>
+          </a:prstGeom>
+        </p:spPr>
+      </p:pic>
+    </p:spTree>
+    <p:extLst>
+      <p:ext uri="{BB962C8B-B14F-4D97-AF65-F5344CB8AC3E}">
+        <p14:creationId xmlns:p14="http://schemas.microsoft.com/office/powerpoint/2010/main" val="3270405551"/>
+      </p:ext>
+    </p:extLst>
+  </p:cSld>
+  <p:clrMapOvr>
+    <a:masterClrMapping/>
+  </p:clrMapOvr>
+</p:sld>
+</file>
+
+<file path=ppt/slides/slide28.xml><?xml version="1.0" encoding="utf-8"?>
+<p:sld xmlns:a="http://schemas.openxmlformats.org/drawingml/2006/main" xmlns:r="http://schemas.openxmlformats.org/officeDocument/2006/relationships" xmlns:p="http://schemas.openxmlformats.org/presentationml/2006/main">
+  <p:cSld>
+    <p:spTree>
+      <p:nvGrpSpPr>
+        <p:cNvPr id="1" name=""/>
+        <p:cNvGrpSpPr/>
+        <p:nvPr/>
+      </p:nvGrpSpPr>
+      <p:grpSpPr>
+        <a:xfrm>
+          <a:off x="0" y="0"/>
+          <a:ext cx="0" cy="0"/>
+          <a:chOff x="0" y="0"/>
+          <a:chExt cx="0" cy="0"/>
+        </a:xfrm>
+      </p:grpSpPr>
+      <p:sp>
+        <p:nvSpPr>
+          <p:cNvPr id="2" name="Title 1"/>
+          <p:cNvSpPr>
+            <a:spLocks noGrp="1"/>
+          </p:cNvSpPr>
+          <p:nvPr>
+            <p:ph type="title"/>
+          </p:nvPr>
+        </p:nvSpPr>
+        <p:spPr/>
+        <p:txBody>
+          <a:bodyPr/>
+          <a:lstStyle/>
+          <a:p>
+            <a:r>
+              <a:rPr lang="en-US" dirty="0" smtClean="0"/>
+              <a:t>Aligning Seismograms</a:t>
+            </a:r>
+            <a:endParaRPr lang="en-US" dirty="0"/>
+          </a:p>
+        </p:txBody>
+      </p:sp>
+      <p:pic>
+        <p:nvPicPr>
+          <p:cNvPr id="3" name="Picture 2" descr="align_seismogram.png"/>
+          <p:cNvPicPr>
+            <a:picLocks noChangeAspect="1"/>
+          </p:cNvPicPr>
+          <p:nvPr/>
+        </p:nvPicPr>
+        <p:blipFill>
+          <a:blip r:embed="rId2">
+            <a:extLst>
+              <a:ext uri="{28A0092B-C50C-407E-A947-70E740481C1C}">
+                <a14:useLocalDpi xmlns:a14="http://schemas.microsoft.com/office/drawing/2010/main" val="0"/>
+              </a:ext>
+            </a:extLst>
+          </a:blip>
+          <a:stretch>
+            <a:fillRect/>
+          </a:stretch>
+        </p:blipFill>
+        <p:spPr>
+          <a:xfrm>
+            <a:off x="2044700" y="1860550"/>
+            <a:ext cx="3670300" cy="4343400"/>
+          </a:xfrm>
+          <a:prstGeom prst="rect">
+            <a:avLst/>
+          </a:prstGeom>
+        </p:spPr>
+      </p:pic>
+    </p:spTree>
+    <p:extLst>
+      <p:ext uri="{BB962C8B-B14F-4D97-AF65-F5344CB8AC3E}">
+        <p14:creationId xmlns:p14="http://schemas.microsoft.com/office/powerpoint/2010/main" val="2145900542"/>
+      </p:ext>
+    </p:extLst>
+  </p:cSld>
+  <p:clrMapOvr>
+    <a:masterClrMapping/>
+  </p:clrMapOvr>
+</p:sld>
+</file>
+
+<file path=ppt/slides/slide29.xml><?xml version="1.0" encoding="utf-8"?>
+<p:sld xmlns:a="http://schemas.openxmlformats.org/drawingml/2006/main" xmlns:r="http://schemas.openxmlformats.org/officeDocument/2006/relationships" xmlns:p="http://schemas.openxmlformats.org/presentationml/2006/main">
+  <p:cSld>
+    <p:spTree>
+      <p:nvGrpSpPr>
+        <p:cNvPr id="1" name=""/>
+        <p:cNvGrpSpPr/>
+        <p:nvPr/>
+      </p:nvGrpSpPr>
+      <p:grpSpPr>
+        <a:xfrm>
+          <a:off x="0" y="0"/>
+          <a:ext cx="0" cy="0"/>
+          <a:chOff x="0" y="0"/>
+          <a:chExt cx="0" cy="0"/>
+        </a:xfrm>
+      </p:grpSpPr>
+      <p:sp>
+        <p:nvSpPr>
+          <p:cNvPr id="2" name="Title 1"/>
+          <p:cNvSpPr>
+            <a:spLocks noGrp="1"/>
+          </p:cNvSpPr>
+          <p:nvPr>
+            <p:ph type="title"/>
+          </p:nvPr>
+        </p:nvSpPr>
+        <p:spPr/>
+        <p:txBody>
+          <a:bodyPr/>
+          <a:lstStyle/>
+          <a:p>
+            <a:endParaRPr lang="en-US"/>
+          </a:p>
+        </p:txBody>
+      </p:sp>
+      <p:pic>
+        <p:nvPicPr>
+          <p:cNvPr id="3" name="Picture 2" descr="sorting-interface.png"/>
+          <p:cNvPicPr>
+            <a:picLocks noChangeAspect="1"/>
+          </p:cNvPicPr>
+          <p:nvPr/>
+        </p:nvPicPr>
+        <p:blipFill>
+          <a:blip r:embed="rId2">
+            <a:extLst>
+              <a:ext uri="{28A0092B-C50C-407E-A947-70E740481C1C}">
+                <a14:useLocalDpi xmlns:a14="http://schemas.microsoft.com/office/drawing/2010/main" val="0"/>
+              </a:ext>
+            </a:extLst>
+          </a:blip>
+          <a:stretch>
+            <a:fillRect/>
+          </a:stretch>
+        </p:blipFill>
+        <p:spPr>
+          <a:xfrm>
+            <a:off x="1017219" y="0"/>
+            <a:ext cx="7428281" cy="6858000"/>
+          </a:xfrm>
+          <a:prstGeom prst="rect">
+            <a:avLst/>
+          </a:prstGeom>
+        </p:spPr>
+      </p:pic>
+    </p:spTree>
+    <p:extLst>
+      <p:ext uri="{BB962C8B-B14F-4D97-AF65-F5344CB8AC3E}">
+        <p14:creationId xmlns:p14="http://schemas.microsoft.com/office/powerpoint/2010/main" val="4246317451"/>
       </p:ext>
     </p:extLst>
   </p:cSld>
@@ -3340,104 +5089,299 @@
       </p:grpSpPr>
       <p:sp>
         <p:nvSpPr>
-          <p:cNvPr id="2" name="Title 1"/>
-          <p:cNvSpPr>
-            <a:spLocks noGrp="1"/>
-          </p:cNvSpPr>
-          <p:nvPr>
-            <p:ph type="title"/>
-          </p:nvPr>
-        </p:nvSpPr>
-        <p:spPr/>
-        <p:txBody>
-          <a:bodyPr/>
-          <a:lstStyle/>
-          <a:p>
-            <a:r>
-              <a:rPr lang="en-US" dirty="0" smtClean="0"/>
-              <a:t>Installing AIMBAT dependencies</a:t>
-            </a:r>
-            <a:endParaRPr lang="en-US" dirty="0"/>
-          </a:p>
-        </p:txBody>
-      </p:sp>
-      <p:sp>
-        <p:nvSpPr>
-          <p:cNvPr id="5" name="Content Placeholder 4"/>
-          <p:cNvSpPr>
-            <a:spLocks noGrp="1"/>
-          </p:cNvSpPr>
-          <p:nvPr>
-            <p:ph idx="1"/>
-          </p:nvPr>
-        </p:nvSpPr>
-        <p:spPr/>
-        <p:txBody>
-          <a:bodyPr/>
-          <a:lstStyle/>
-          <a:p>
-            <a:r>
-              <a:rPr lang="en-US" dirty="0" smtClean="0"/>
-              <a:t>Python</a:t>
-            </a:r>
-          </a:p>
-          <a:p>
-            <a:pPr lvl="1"/>
-            <a:r>
-              <a:rPr lang="en-US" dirty="0" err="1" smtClean="0"/>
-              <a:t>Matplotlib</a:t>
-            </a:r>
-            <a:endParaRPr lang="en-US" dirty="0" smtClean="0"/>
-          </a:p>
-          <a:p>
-            <a:pPr lvl="1"/>
-            <a:r>
-              <a:rPr lang="en-US" dirty="0" err="1" smtClean="0"/>
-              <a:t>Numpy</a:t>
-            </a:r>
-            <a:endParaRPr lang="en-US" dirty="0" smtClean="0"/>
-          </a:p>
-          <a:p>
-            <a:pPr lvl="1"/>
-            <a:r>
-              <a:rPr lang="en-US" dirty="0" err="1" smtClean="0"/>
-              <a:t>Scipy</a:t>
-            </a:r>
-            <a:endParaRPr lang="en-US" dirty="0" smtClean="0"/>
-          </a:p>
-          <a:p>
-            <a:pPr marL="514350" indent="-457200"/>
-            <a:r>
-              <a:rPr lang="en-US" dirty="0" err="1" smtClean="0"/>
-              <a:t>Macports</a:t>
-            </a:r>
-            <a:endParaRPr lang="en-US" dirty="0"/>
-          </a:p>
-          <a:p>
-            <a:pPr marL="514350" indent="-457200"/>
-            <a:r>
-              <a:rPr lang="en-US" dirty="0" smtClean="0"/>
-              <a:t>Homebrew</a:t>
-            </a:r>
-            <a:endParaRPr lang="en-US" dirty="0" smtClean="0"/>
-          </a:p>
-          <a:p>
-            <a:r>
-              <a:rPr lang="en-US" dirty="0" smtClean="0"/>
-              <a:t>Python </a:t>
-            </a:r>
-            <a:r>
-              <a:rPr lang="en-US" dirty="0" err="1" smtClean="0"/>
-              <a:t>basemap</a:t>
-            </a:r>
-            <a:endParaRPr lang="en-US" dirty="0" smtClean="0"/>
+          <p:cNvPr id="4" name="Title 3"/>
+          <p:cNvSpPr>
+            <a:spLocks noGrp="1"/>
+          </p:cNvSpPr>
+          <p:nvPr>
+            <p:ph type="ctrTitle"/>
+          </p:nvPr>
+        </p:nvSpPr>
+        <p:spPr>
+          <a:solidFill>
+            <a:schemeClr val="tx1"/>
+          </a:solidFill>
+        </p:spPr>
+        <p:txBody>
+          <a:bodyPr/>
+          <a:lstStyle/>
+          <a:p>
+            <a:r>
+              <a:rPr lang="en-US" dirty="0" smtClean="0">
+                <a:solidFill>
+                  <a:schemeClr val="bg1"/>
+                </a:solidFill>
+              </a:rPr>
+              <a:t>Introduction to AIMBAT</a:t>
+            </a:r>
+            <a:endParaRPr lang="en-US" dirty="0">
+              <a:solidFill>
+                <a:schemeClr val="bg1"/>
+              </a:solidFill>
+            </a:endParaRPr>
+          </a:p>
+        </p:txBody>
+      </p:sp>
+      <p:sp>
+        <p:nvSpPr>
+          <p:cNvPr id="5" name="Subtitle 4"/>
+          <p:cNvSpPr>
+            <a:spLocks noGrp="1"/>
+          </p:cNvSpPr>
+          <p:nvPr>
+            <p:ph type="subTitle" idx="1"/>
+          </p:nvPr>
+        </p:nvSpPr>
+        <p:spPr/>
+        <p:txBody>
+          <a:bodyPr/>
+          <a:lstStyle/>
+          <a:p>
+            <a:endParaRPr lang="en-US"/>
           </a:p>
         </p:txBody>
       </p:sp>
     </p:spTree>
     <p:extLst>
       <p:ext uri="{BB962C8B-B14F-4D97-AF65-F5344CB8AC3E}">
-        <p14:creationId xmlns:p14="http://schemas.microsoft.com/office/powerpoint/2010/main" val="1126176899"/>
+        <p14:creationId xmlns:p14="http://schemas.microsoft.com/office/powerpoint/2010/main" val="1920608371"/>
+      </p:ext>
+    </p:extLst>
+  </p:cSld>
+  <p:clrMapOvr>
+    <a:masterClrMapping/>
+  </p:clrMapOvr>
+</p:sld>
+</file>
+
+<file path=ppt/slides/slide30.xml><?xml version="1.0" encoding="utf-8"?>
+<p:sld xmlns:a="http://schemas.openxmlformats.org/drawingml/2006/main" xmlns:r="http://schemas.openxmlformats.org/officeDocument/2006/relationships" xmlns:p="http://schemas.openxmlformats.org/presentationml/2006/main">
+  <p:cSld>
+    <p:spTree>
+      <p:nvGrpSpPr>
+        <p:cNvPr id="1" name=""/>
+        <p:cNvGrpSpPr/>
+        <p:nvPr/>
+      </p:nvGrpSpPr>
+      <p:grpSpPr>
+        <a:xfrm>
+          <a:off x="0" y="0"/>
+          <a:ext cx="0" cy="0"/>
+          <a:chOff x="0" y="0"/>
+          <a:chExt cx="0" cy="0"/>
+        </a:xfrm>
+      </p:grpSpPr>
+      <p:sp>
+        <p:nvSpPr>
+          <p:cNvPr id="2" name="Title 1"/>
+          <p:cNvSpPr>
+            <a:spLocks noGrp="1"/>
+          </p:cNvSpPr>
+          <p:nvPr>
+            <p:ph type="title"/>
+          </p:nvPr>
+        </p:nvSpPr>
+        <p:spPr/>
+        <p:txBody>
+          <a:bodyPr/>
+          <a:lstStyle/>
+          <a:p>
+            <a:endParaRPr lang="en-US"/>
+          </a:p>
+        </p:txBody>
+      </p:sp>
+      <p:pic>
+        <p:nvPicPr>
+          <p:cNvPr id="3" name="Picture 2" descr="filtering-interface.png"/>
+          <p:cNvPicPr>
+            <a:picLocks noChangeAspect="1"/>
+          </p:cNvPicPr>
+          <p:nvPr/>
+        </p:nvPicPr>
+        <p:blipFill>
+          <a:blip r:embed="rId2">
+            <a:extLst>
+              <a:ext uri="{28A0092B-C50C-407E-A947-70E740481C1C}">
+                <a14:useLocalDpi xmlns:a14="http://schemas.microsoft.com/office/drawing/2010/main" val="0"/>
+              </a:ext>
+            </a:extLst>
+          </a:blip>
+          <a:stretch>
+            <a:fillRect/>
+          </a:stretch>
+        </p:blipFill>
+        <p:spPr>
+          <a:xfrm>
+            <a:off x="1041045" y="0"/>
+            <a:ext cx="7379411" cy="6858000"/>
+          </a:xfrm>
+          <a:prstGeom prst="rect">
+            <a:avLst/>
+          </a:prstGeom>
+        </p:spPr>
+      </p:pic>
+    </p:spTree>
+    <p:extLst>
+      <p:ext uri="{BB962C8B-B14F-4D97-AF65-F5344CB8AC3E}">
+        <p14:creationId xmlns:p14="http://schemas.microsoft.com/office/powerpoint/2010/main" val="511934952"/>
+      </p:ext>
+    </p:extLst>
+  </p:cSld>
+  <p:clrMapOvr>
+    <a:masterClrMapping/>
+  </p:clrMapOvr>
+</p:sld>
+</file>
+
+<file path=ppt/slides/slide31.xml><?xml version="1.0" encoding="utf-8"?>
+<p:sld xmlns:a="http://schemas.openxmlformats.org/drawingml/2006/main" xmlns:r="http://schemas.openxmlformats.org/officeDocument/2006/relationships" xmlns:p="http://schemas.openxmlformats.org/presentationml/2006/main">
+  <p:cSld>
+    <p:spTree>
+      <p:nvGrpSpPr>
+        <p:cNvPr id="1" name=""/>
+        <p:cNvGrpSpPr/>
+        <p:nvPr/>
+      </p:nvGrpSpPr>
+      <p:grpSpPr>
+        <a:xfrm>
+          <a:off x="0" y="0"/>
+          <a:ext cx="0" cy="0"/>
+          <a:chOff x="0" y="0"/>
+          <a:chExt cx="0" cy="0"/>
+        </a:xfrm>
+      </p:grpSpPr>
+      <p:sp>
+        <p:nvSpPr>
+          <p:cNvPr id="2" name="Title 1"/>
+          <p:cNvSpPr>
+            <a:spLocks noGrp="1"/>
+          </p:cNvSpPr>
+          <p:nvPr>
+            <p:ph type="title"/>
+          </p:nvPr>
+        </p:nvSpPr>
+        <p:spPr/>
+        <p:txBody>
+          <a:bodyPr/>
+          <a:lstStyle/>
+          <a:p>
+            <a:endParaRPr lang="en-US"/>
+          </a:p>
+        </p:txBody>
+      </p:sp>
+      <p:pic>
+        <p:nvPicPr>
+          <p:cNvPr id="3" name="Picture 2" descr="SACP2_popup.png"/>
+          <p:cNvPicPr>
+            <a:picLocks noChangeAspect="1"/>
+          </p:cNvPicPr>
+          <p:nvPr/>
+        </p:nvPicPr>
+        <p:blipFill>
+          <a:blip r:embed="rId2">
+            <a:extLst>
+              <a:ext uri="{28A0092B-C50C-407E-A947-70E740481C1C}">
+                <a14:useLocalDpi xmlns:a14="http://schemas.microsoft.com/office/drawing/2010/main" val="0"/>
+              </a:ext>
+            </a:extLst>
+          </a:blip>
+          <a:stretch>
+            <a:fillRect/>
+          </a:stretch>
+        </p:blipFill>
+        <p:spPr>
+          <a:xfrm>
+            <a:off x="1751564" y="0"/>
+            <a:ext cx="5609122" cy="6858000"/>
+          </a:xfrm>
+          <a:prstGeom prst="rect">
+            <a:avLst/>
+          </a:prstGeom>
+        </p:spPr>
+      </p:pic>
+    </p:spTree>
+    <p:extLst>
+      <p:ext uri="{BB962C8B-B14F-4D97-AF65-F5344CB8AC3E}">
+        <p14:creationId xmlns:p14="http://schemas.microsoft.com/office/powerpoint/2010/main" val="195527577"/>
+      </p:ext>
+    </p:extLst>
+  </p:cSld>
+  <p:clrMapOvr>
+    <a:masterClrMapping/>
+  </p:clrMapOvr>
+</p:sld>
+</file>
+
+<file path=ppt/slides/slide32.xml><?xml version="1.0" encoding="utf-8"?>
+<p:sld xmlns:a="http://schemas.openxmlformats.org/drawingml/2006/main" xmlns:r="http://schemas.openxmlformats.org/officeDocument/2006/relationships" xmlns:p="http://schemas.openxmlformats.org/presentationml/2006/main">
+  <p:cSld>
+    <p:spTree>
+      <p:nvGrpSpPr>
+        <p:cNvPr id="1" name=""/>
+        <p:cNvGrpSpPr/>
+        <p:nvPr/>
+      </p:nvGrpSpPr>
+      <p:grpSpPr>
+        <a:xfrm>
+          <a:off x="0" y="0"/>
+          <a:ext cx="0" cy="0"/>
+          <a:chOff x="0" y="0"/>
+          <a:chExt cx="0" cy="0"/>
+        </a:xfrm>
+      </p:grpSpPr>
+      <p:sp>
+        <p:nvSpPr>
+          <p:cNvPr id="2" name="Title 1"/>
+          <p:cNvSpPr>
+            <a:spLocks noGrp="1"/>
+          </p:cNvSpPr>
+          <p:nvPr>
+            <p:ph type="title"/>
+          </p:nvPr>
+        </p:nvSpPr>
+        <p:spPr/>
+        <p:txBody>
+          <a:bodyPr/>
+          <a:lstStyle/>
+          <a:p>
+            <a:endParaRPr lang="en-US"/>
+          </a:p>
+        </p:txBody>
+      </p:sp>
+      <p:pic>
+        <p:nvPicPr>
+          <p:cNvPr id="3" name="Picture 2" descr="Screen Shot 2014-07-21 at 9.31.24 PM.png"/>
+          <p:cNvPicPr>
+            <a:picLocks noChangeAspect="1"/>
+          </p:cNvPicPr>
+          <p:nvPr/>
+        </p:nvPicPr>
+        <p:blipFill>
+          <a:blip r:embed="rId2">
+            <a:extLst>
+              <a:ext uri="{28A0092B-C50C-407E-A947-70E740481C1C}">
+                <a14:useLocalDpi xmlns:a14="http://schemas.microsoft.com/office/drawing/2010/main" val="0"/>
+              </a:ext>
+            </a:extLst>
+          </a:blip>
+          <a:stretch>
+            <a:fillRect/>
+          </a:stretch>
+        </p:blipFill>
+        <p:spPr>
+          <a:xfrm>
+            <a:off x="781050" y="2327274"/>
+            <a:ext cx="7705066" cy="2593975"/>
+          </a:xfrm>
+          <a:prstGeom prst="rect">
+            <a:avLst/>
+          </a:prstGeom>
+        </p:spPr>
+      </p:pic>
+    </p:spTree>
+    <p:extLst>
+      <p:ext uri="{BB962C8B-B14F-4D97-AF65-F5344CB8AC3E}">
+        <p14:creationId xmlns:p14="http://schemas.microsoft.com/office/powerpoint/2010/main" val="2040253637"/>
       </p:ext>
     </p:extLst>
   </p:cSld>
@@ -3466,7 +5410,7 @@
       </p:grpSpPr>
       <p:sp>
         <p:nvSpPr>
-          <p:cNvPr id="4" name="Title 3"/>
+          <p:cNvPr id="2" name="Title 1"/>
           <p:cNvSpPr>
             <a:spLocks noGrp="1"/>
           </p:cNvSpPr>
@@ -3481,7 +5425,7 @@
           <a:p>
             <a:r>
               <a:rPr lang="en-US" dirty="0" smtClean="0"/>
-              <a:t>Installing AIMBAT</a:t>
+              <a:t>AIMBAT</a:t>
             </a:r>
             <a:endParaRPr lang="en-US" dirty="0"/>
           </a:p>
@@ -3489,7 +5433,7 @@
       </p:sp>
       <p:sp>
         <p:nvSpPr>
-          <p:cNvPr id="6" name="Content Placeholder 5"/>
+          <p:cNvPr id="3" name="Content Placeholder 2"/>
           <p:cNvSpPr>
             <a:spLocks noGrp="1"/>
           </p:cNvSpPr>
@@ -3504,27 +5448,44 @@
           <a:p>
             <a:r>
               <a:rPr lang="en-US" dirty="0" smtClean="0"/>
-              <a:t>Install </a:t>
+              <a:t>Python tool for measuring </a:t>
             </a:r>
             <a:r>
               <a:rPr lang="en-US" dirty="0" err="1" smtClean="0"/>
-              <a:t>pysmo.sac</a:t>
+              <a:t>teleseismic</a:t>
+            </a:r>
+            <a:r>
+              <a:rPr lang="en-US" dirty="0" smtClean="0"/>
+              <a:t> arrival times for large seismic </a:t>
+            </a:r>
+            <a:r>
+              <a:rPr lang="en-US" dirty="0" smtClean="0"/>
+              <a:t>arrays</a:t>
             </a:r>
             <a:endParaRPr lang="en-US" dirty="0" smtClean="0"/>
           </a:p>
           <a:p>
             <a:r>
               <a:rPr lang="en-US" dirty="0" smtClean="0"/>
-              <a:t>Install </a:t>
-            </a:r>
-            <a:r>
-              <a:rPr lang="en-US" dirty="0" err="1" smtClean="0"/>
-              <a:t>pysmo.aimbat</a:t>
-            </a:r>
+              <a:t>Aligns seismograms by ICCS (iterative cross-correlation and stack)</a:t>
+            </a:r>
+          </a:p>
+          <a:p>
             <a:r>
               <a:rPr lang="en-US" dirty="0" smtClean="0"/>
-              <a:t> </a:t>
-            </a:r>
+              <a:t>Picks arrival times by Multi-channel cross-correlation</a:t>
+            </a:r>
+          </a:p>
+          <a:p>
+            <a:r>
+              <a:rPr lang="en-US" dirty="0" smtClean="0"/>
+              <a:t>GUI for user to fine-tune arrival times</a:t>
+            </a:r>
+          </a:p>
+          <a:p>
+            <a:endParaRPr lang="en-US" dirty="0" smtClean="0"/>
+          </a:p>
+          <a:p>
             <a:endParaRPr lang="en-US" dirty="0" smtClean="0"/>
           </a:p>
           <a:p>
@@ -3535,7 +5496,7 @@
     </p:spTree>
     <p:extLst>
       <p:ext uri="{BB962C8B-B14F-4D97-AF65-F5344CB8AC3E}">
-        <p14:creationId xmlns:p14="http://schemas.microsoft.com/office/powerpoint/2010/main" val="3426339041"/>
+        <p14:creationId xmlns:p14="http://schemas.microsoft.com/office/powerpoint/2010/main" val="2470419815"/>
       </p:ext>
     </p:extLst>
   </p:cSld>
@@ -3562,52 +5523,40 @@
           <a:chExt cx="0" cy="0"/>
         </a:xfrm>
       </p:grpSpPr>
-      <p:sp>
-        <p:nvSpPr>
-          <p:cNvPr id="2" name="Title 1"/>
-          <p:cNvSpPr>
-            <a:spLocks noGrp="1"/>
-          </p:cNvSpPr>
-          <p:nvPr>
-            <p:ph type="title"/>
-          </p:nvPr>
-        </p:nvSpPr>
-        <p:spPr/>
-        <p:txBody>
-          <a:bodyPr/>
-          <a:lstStyle/>
-          <a:p>
-            <a:r>
-              <a:rPr lang="en-US" smtClean="0"/>
-              <a:t>Getting Data - OBSPY</a:t>
-            </a:r>
-            <a:endParaRPr lang="en-US" dirty="0"/>
-          </a:p>
-        </p:txBody>
-      </p:sp>
-      <p:sp>
-        <p:nvSpPr>
-          <p:cNvPr id="3" name="Content Placeholder 2"/>
-          <p:cNvSpPr>
-            <a:spLocks noGrp="1"/>
-          </p:cNvSpPr>
-          <p:nvPr>
-            <p:ph idx="1"/>
-          </p:nvPr>
-        </p:nvSpPr>
-        <p:spPr/>
-        <p:txBody>
-          <a:bodyPr/>
-          <a:lstStyle/>
-          <a:p>
-            <a:endParaRPr lang="en-US" dirty="0"/>
-          </a:p>
-        </p:txBody>
-      </p:sp>
+      <p:pic>
+        <p:nvPicPr>
+          <p:cNvPr id="4" name="Picture 3" descr="Screen Shot 2014-07-21 at 4.11.49 PM.png"/>
+          <p:cNvPicPr>
+            <a:picLocks noChangeAspect="1"/>
+          </p:cNvPicPr>
+          <p:nvPr/>
+        </p:nvPicPr>
+        <p:blipFill>
+          <a:blip r:embed="rId2">
+            <a:extLst>
+              <a:ext uri="{28A0092B-C50C-407E-A947-70E740481C1C}">
+                <a14:useLocalDpi xmlns:a14="http://schemas.microsoft.com/office/drawing/2010/main" val="0"/>
+              </a:ext>
+            </a:extLst>
+          </a:blip>
+          <a:stretch>
+            <a:fillRect/>
+          </a:stretch>
+        </p:blipFill>
+        <p:spPr>
+          <a:xfrm>
+            <a:off x="174625" y="333376"/>
+            <a:ext cx="8592277" cy="5810250"/>
+          </a:xfrm>
+          <a:prstGeom prst="rect">
+            <a:avLst/>
+          </a:prstGeom>
+        </p:spPr>
+      </p:pic>
     </p:spTree>
     <p:extLst>
       <p:ext uri="{BB962C8B-B14F-4D97-AF65-F5344CB8AC3E}">
-        <p14:creationId xmlns:p14="http://schemas.microsoft.com/office/powerpoint/2010/main" val="2223914147"/>
+        <p14:creationId xmlns:p14="http://schemas.microsoft.com/office/powerpoint/2010/main" val="2575040578"/>
       </p:ext>
     </p:extLst>
   </p:cSld>
@@ -3636,118 +5585,324 @@
       </p:grpSpPr>
       <p:sp>
         <p:nvSpPr>
-          <p:cNvPr id="2" name="Title 1"/>
-          <p:cNvSpPr>
-            <a:spLocks noGrp="1"/>
-          </p:cNvSpPr>
-          <p:nvPr>
-            <p:ph type="title"/>
-          </p:nvPr>
-        </p:nvSpPr>
-        <p:spPr/>
-        <p:txBody>
-          <a:bodyPr/>
-          <a:lstStyle/>
-          <a:p>
-            <a:r>
-              <a:rPr lang="en-US" dirty="0" smtClean="0"/>
-              <a:t>Resources</a:t>
-            </a:r>
-            <a:endParaRPr lang="en-US" dirty="0"/>
-          </a:p>
-        </p:txBody>
-      </p:sp>
-      <p:sp>
-        <p:nvSpPr>
-          <p:cNvPr id="3" name="Content Placeholder 2"/>
-          <p:cNvSpPr>
-            <a:spLocks noGrp="1"/>
-          </p:cNvSpPr>
-          <p:nvPr>
-            <p:ph idx="1"/>
-          </p:nvPr>
-        </p:nvSpPr>
-        <p:spPr/>
-        <p:txBody>
-          <a:bodyPr/>
-          <a:lstStyle/>
-          <a:p>
-            <a:r>
-              <a:rPr lang="en-US" dirty="0"/>
-              <a:t>Official page: </a:t>
-            </a:r>
-            <a:r>
-              <a:rPr lang="en-US" dirty="0">
-                <a:hlinkClick r:id="rId2"/>
+          <p:cNvPr id="4" name="Title 3"/>
+          <p:cNvSpPr>
+            <a:spLocks noGrp="1"/>
+          </p:cNvSpPr>
+          <p:nvPr>
+            <p:ph type="ctrTitle"/>
+          </p:nvPr>
+        </p:nvSpPr>
+        <p:spPr>
+          <a:solidFill>
+            <a:schemeClr val="tx1"/>
+          </a:solidFill>
+        </p:spPr>
+        <p:txBody>
+          <a:bodyPr/>
+          <a:lstStyle/>
+          <a:p>
+            <a:r>
+              <a:rPr lang="en-US" dirty="0" smtClean="0">
+                <a:solidFill>
+                  <a:schemeClr val="bg1"/>
+                </a:solidFill>
               </a:rPr>
-              <a:t>http://www.earth.northwestern.edu/~xlou/</a:t>
-            </a:r>
-            <a:r>
-              <a:rPr lang="en-US" dirty="0" smtClean="0">
-                <a:hlinkClick r:id="rId2"/>
-              </a:rPr>
-              <a:t>aimbat.html</a:t>
-            </a:r>
-            <a:endParaRPr lang="en-US" dirty="0" smtClean="0"/>
-          </a:p>
-          <a:p>
-            <a:r>
-              <a:rPr lang="en-US" dirty="0" err="1" smtClean="0"/>
-              <a:t>Github</a:t>
-            </a:r>
-            <a:r>
-              <a:rPr lang="en-US" dirty="0" smtClean="0"/>
-              <a:t> repository: </a:t>
-            </a:r>
-            <a:r>
-              <a:rPr lang="fi-FI" dirty="0">
-                <a:hlinkClick r:id="rId3"/>
-              </a:rPr>
-              <a:t>https://github.com/</a:t>
-            </a:r>
-            <a:r>
-              <a:rPr lang="fi-FI" dirty="0" smtClean="0">
-                <a:hlinkClick r:id="rId3"/>
-              </a:rPr>
-              <a:t>pysmo</a:t>
-            </a:r>
-            <a:endParaRPr lang="fi-FI" dirty="0" smtClean="0"/>
-          </a:p>
-          <a:p>
-            <a:r>
-              <a:rPr lang="fi-FI" dirty="0" err="1" smtClean="0"/>
-              <a:t>Documentation</a:t>
-            </a:r>
-            <a:r>
-              <a:rPr lang="fi-FI" dirty="0" smtClean="0"/>
-              <a:t>: </a:t>
-            </a:r>
-            <a:r>
-              <a:rPr lang="en-US" dirty="0">
-                <a:hlinkClick r:id="rId4"/>
-              </a:rPr>
-              <a:t>http://aimbat.readthedocs.org/en/latest</a:t>
-            </a:r>
-            <a:r>
-              <a:rPr lang="en-US" dirty="0" smtClean="0">
-                <a:hlinkClick r:id="rId4"/>
-              </a:rPr>
-              <a:t>/</a:t>
-            </a:r>
-            <a:r>
-              <a:rPr lang="en-US" dirty="0" smtClean="0"/>
-              <a:t> </a:t>
-            </a:r>
-          </a:p>
-          <a:p>
-            <a:endParaRPr lang="en-US" dirty="0"/>
+              <a:t>Installing Dependencies</a:t>
+            </a:r>
+            <a:endParaRPr lang="en-US" dirty="0">
+              <a:solidFill>
+                <a:schemeClr val="bg1"/>
+              </a:solidFill>
+            </a:endParaRPr>
+          </a:p>
+        </p:txBody>
+      </p:sp>
+      <p:sp>
+        <p:nvSpPr>
+          <p:cNvPr id="5" name="Subtitle 4"/>
+          <p:cNvSpPr>
+            <a:spLocks noGrp="1"/>
+          </p:cNvSpPr>
+          <p:nvPr>
+            <p:ph type="subTitle" idx="1"/>
+          </p:nvPr>
+        </p:nvSpPr>
+        <p:spPr/>
+        <p:txBody>
+          <a:bodyPr/>
+          <a:lstStyle/>
+          <a:p>
+            <a:endParaRPr lang="en-US"/>
           </a:p>
         </p:txBody>
       </p:sp>
     </p:spTree>
     <p:extLst>
       <p:ext uri="{BB962C8B-B14F-4D97-AF65-F5344CB8AC3E}">
-        <p14:creationId xmlns:p14="http://schemas.microsoft.com/office/powerpoint/2010/main" val="2523475218"/>
+        <p14:creationId xmlns:p14="http://schemas.microsoft.com/office/powerpoint/2010/main" val="757005047"/>
+      </p:ext>
+    </p:extLst>
+  </p:cSld>
+  <p:clrMapOvr>
+    <a:masterClrMapping/>
+  </p:clrMapOvr>
+</p:sld>
+</file>
+
+<file path=ppt/slides/slide7.xml><?xml version="1.0" encoding="utf-8"?>
+<p:sld xmlns:a="http://schemas.openxmlformats.org/drawingml/2006/main" xmlns:r="http://schemas.openxmlformats.org/officeDocument/2006/relationships" xmlns:p="http://schemas.openxmlformats.org/presentationml/2006/main">
+  <p:cSld>
+    <p:spTree>
+      <p:nvGrpSpPr>
+        <p:cNvPr id="1" name=""/>
+        <p:cNvGrpSpPr/>
+        <p:nvPr/>
+      </p:nvGrpSpPr>
+      <p:grpSpPr>
+        <a:xfrm>
+          <a:off x="0" y="0"/>
+          <a:ext cx="0" cy="0"/>
+          <a:chOff x="0" y="0"/>
+          <a:chExt cx="0" cy="0"/>
+        </a:xfrm>
+      </p:grpSpPr>
+      <p:sp>
+        <p:nvSpPr>
+          <p:cNvPr id="2" name="Title 1"/>
+          <p:cNvSpPr>
+            <a:spLocks noGrp="1"/>
+          </p:cNvSpPr>
+          <p:nvPr>
+            <p:ph type="title"/>
+          </p:nvPr>
+        </p:nvSpPr>
+        <p:spPr/>
+        <p:txBody>
+          <a:bodyPr/>
+          <a:lstStyle/>
+          <a:p>
+            <a:r>
+              <a:rPr lang="en-US" dirty="0" smtClean="0"/>
+              <a:t>Package Manager - </a:t>
+            </a:r>
+            <a:r>
+              <a:rPr lang="en-US" dirty="0" err="1" smtClean="0"/>
+              <a:t>Macports</a:t>
+            </a:r>
+            <a:endParaRPr lang="en-US" dirty="0"/>
+          </a:p>
+        </p:txBody>
+      </p:sp>
+      <p:pic>
+        <p:nvPicPr>
+          <p:cNvPr id="5" name="Picture 4" descr="Screen Shot 2014-07-21 at 7.45.22 PM.png"/>
+          <p:cNvPicPr>
+            <a:picLocks noChangeAspect="1"/>
+          </p:cNvPicPr>
+          <p:nvPr/>
+        </p:nvPicPr>
+        <p:blipFill>
+          <a:blip r:embed="rId2">
+            <a:extLst>
+              <a:ext uri="{28A0092B-C50C-407E-A947-70E740481C1C}">
+                <a14:useLocalDpi xmlns:a14="http://schemas.microsoft.com/office/drawing/2010/main" val="0"/>
+              </a:ext>
+            </a:extLst>
+          </a:blip>
+          <a:stretch>
+            <a:fillRect/>
+          </a:stretch>
+        </p:blipFill>
+        <p:spPr>
+          <a:xfrm>
+            <a:off x="266700" y="1417637"/>
+            <a:ext cx="8655606" cy="4725987"/>
+          </a:xfrm>
+          <a:prstGeom prst="rect">
+            <a:avLst/>
+          </a:prstGeom>
+        </p:spPr>
+      </p:pic>
+    </p:spTree>
+    <p:extLst>
+      <p:ext uri="{BB962C8B-B14F-4D97-AF65-F5344CB8AC3E}">
+        <p14:creationId xmlns:p14="http://schemas.microsoft.com/office/powerpoint/2010/main" val="697330432"/>
+      </p:ext>
+    </p:extLst>
+  </p:cSld>
+  <p:clrMapOvr>
+    <a:masterClrMapping/>
+  </p:clrMapOvr>
+</p:sld>
+</file>
+
+<file path=ppt/slides/slide8.xml><?xml version="1.0" encoding="utf-8"?>
+<p:sld xmlns:a="http://schemas.openxmlformats.org/drawingml/2006/main" xmlns:r="http://schemas.openxmlformats.org/officeDocument/2006/relationships" xmlns:p="http://schemas.openxmlformats.org/presentationml/2006/main">
+  <p:cSld>
+    <p:spTree>
+      <p:nvGrpSpPr>
+        <p:cNvPr id="1" name=""/>
+        <p:cNvGrpSpPr/>
+        <p:nvPr/>
+      </p:nvGrpSpPr>
+      <p:grpSpPr>
+        <a:xfrm>
+          <a:off x="0" y="0"/>
+          <a:ext cx="0" cy="0"/>
+          <a:chOff x="0" y="0"/>
+          <a:chExt cx="0" cy="0"/>
+        </a:xfrm>
+      </p:grpSpPr>
+      <p:sp>
+        <p:nvSpPr>
+          <p:cNvPr id="4" name="Title 3"/>
+          <p:cNvSpPr>
+            <a:spLocks noGrp="1"/>
+          </p:cNvSpPr>
+          <p:nvPr>
+            <p:ph type="title"/>
+          </p:nvPr>
+        </p:nvSpPr>
+        <p:spPr/>
+        <p:txBody>
+          <a:bodyPr/>
+          <a:lstStyle/>
+          <a:p>
+            <a:r>
+              <a:rPr lang="en-US" dirty="0" smtClean="0"/>
+              <a:t>Package Manager - Homebrew</a:t>
+            </a:r>
+            <a:endParaRPr lang="en-US" dirty="0"/>
+          </a:p>
+        </p:txBody>
+      </p:sp>
+      <p:pic>
+        <p:nvPicPr>
+          <p:cNvPr id="5" name="Picture 4" descr="Screen Shot 2014-07-21 at 7.47.34 PM.png"/>
+          <p:cNvPicPr>
+            <a:picLocks noChangeAspect="1"/>
+          </p:cNvPicPr>
+          <p:nvPr/>
+        </p:nvPicPr>
+        <p:blipFill>
+          <a:blip r:embed="rId2">
+            <a:extLst>
+              <a:ext uri="{28A0092B-C50C-407E-A947-70E740481C1C}">
+                <a14:useLocalDpi xmlns:a14="http://schemas.microsoft.com/office/drawing/2010/main" val="0"/>
+              </a:ext>
+            </a:extLst>
+          </a:blip>
+          <a:stretch>
+            <a:fillRect/>
+          </a:stretch>
+        </p:blipFill>
+        <p:spPr>
+          <a:xfrm>
+            <a:off x="469900" y="1638300"/>
+            <a:ext cx="8204200" cy="3568700"/>
+          </a:xfrm>
+          <a:prstGeom prst="rect">
+            <a:avLst/>
+          </a:prstGeom>
+        </p:spPr>
+      </p:pic>
+    </p:spTree>
+    <p:extLst>
+      <p:ext uri="{BB962C8B-B14F-4D97-AF65-F5344CB8AC3E}">
+        <p14:creationId xmlns:p14="http://schemas.microsoft.com/office/powerpoint/2010/main" val="3037606323"/>
+      </p:ext>
+    </p:extLst>
+  </p:cSld>
+  <p:clrMapOvr>
+    <a:masterClrMapping/>
+  </p:clrMapOvr>
+</p:sld>
+</file>
+
+<file path=ppt/slides/slide9.xml><?xml version="1.0" encoding="utf-8"?>
+<p:sld xmlns:a="http://schemas.openxmlformats.org/drawingml/2006/main" xmlns:r="http://schemas.openxmlformats.org/officeDocument/2006/relationships" xmlns:p="http://schemas.openxmlformats.org/presentationml/2006/main">
+  <p:cSld>
+    <p:spTree>
+      <p:nvGrpSpPr>
+        <p:cNvPr id="1" name=""/>
+        <p:cNvGrpSpPr/>
+        <p:nvPr/>
+      </p:nvGrpSpPr>
+      <p:grpSpPr>
+        <a:xfrm>
+          <a:off x="0" y="0"/>
+          <a:ext cx="0" cy="0"/>
+          <a:chOff x="0" y="0"/>
+          <a:chExt cx="0" cy="0"/>
+        </a:xfrm>
+      </p:grpSpPr>
+      <p:sp>
+        <p:nvSpPr>
+          <p:cNvPr id="2" name="Title 1"/>
+          <p:cNvSpPr>
+            <a:spLocks noGrp="1"/>
+          </p:cNvSpPr>
+          <p:nvPr>
+            <p:ph type="title"/>
+          </p:nvPr>
+        </p:nvSpPr>
+        <p:spPr>
+          <a:xfrm>
+            <a:off x="615950" y="5783263"/>
+            <a:ext cx="8229600" cy="1143000"/>
+          </a:xfrm>
+        </p:spPr>
+        <p:txBody>
+          <a:bodyPr/>
+          <a:lstStyle/>
+          <a:p>
+            <a:r>
+              <a:rPr lang="en-US" dirty="0" err="1" smtClean="0"/>
+              <a:t>Enthought</a:t>
+            </a:r>
+            <a:r>
+              <a:rPr lang="en-US" dirty="0" smtClean="0"/>
+              <a:t> Canopy (Python)</a:t>
+            </a:r>
+            <a:endParaRPr lang="en-US" dirty="0"/>
+          </a:p>
+        </p:txBody>
+      </p:sp>
+      <p:pic>
+        <p:nvPicPr>
+          <p:cNvPr id="7" name="Picture 6" descr="Screen Shot 2014-07-21 at 7.32.44 PM.png"/>
+          <p:cNvPicPr>
+            <a:picLocks noChangeAspect="1"/>
+          </p:cNvPicPr>
+          <p:nvPr/>
+        </p:nvPicPr>
+        <p:blipFill>
+          <a:blip r:embed="rId2">
+            <a:extLst>
+              <a:ext uri="{28A0092B-C50C-407E-A947-70E740481C1C}">
+                <a14:useLocalDpi xmlns:a14="http://schemas.microsoft.com/office/drawing/2010/main" val="0"/>
+              </a:ext>
+            </a:extLst>
+          </a:blip>
+          <a:stretch>
+            <a:fillRect/>
+          </a:stretch>
+        </p:blipFill>
+        <p:spPr>
+          <a:xfrm>
+            <a:off x="2222500" y="146049"/>
+            <a:ext cx="4651375" cy="6075779"/>
+          </a:xfrm>
+          <a:prstGeom prst="rect">
+            <a:avLst/>
+          </a:prstGeom>
+        </p:spPr>
+      </p:pic>
+    </p:spTree>
+    <p:extLst>
+      <p:ext uri="{BB962C8B-B14F-4D97-AF65-F5344CB8AC3E}">
+        <p14:creationId xmlns:p14="http://schemas.microsoft.com/office/powerpoint/2010/main" val="2068372908"/>
       </p:ext>
     </p:extLst>
   </p:cSld>

--- a/AIMBAT/AIMBAT.pptx
+++ b/AIMBAT/AIMBAT.pptx
@@ -37,6 +37,9 @@
     <p:sldId id="288" r:id="rId31"/>
     <p:sldId id="285" r:id="rId32"/>
     <p:sldId id="289" r:id="rId33"/>
+    <p:sldId id="291" r:id="rId34"/>
+    <p:sldId id="292" r:id="rId35"/>
+    <p:sldId id="293" r:id="rId36"/>
   </p:sldIdLst>
   <p:sldSz cx="9144000" cy="6858000" type="screen4x3"/>
   <p:notesSz cx="6858000" cy="9144000"/>
@@ -3501,7 +3504,6 @@
               <a:rPr lang="en-US" dirty="0" smtClean="0"/>
               <a:t>Python library for rapid development in seismology </a:t>
             </a:r>
-            <a:endParaRPr lang="en-US" dirty="0" smtClean="0"/>
           </a:p>
         </p:txBody>
       </p:sp>
@@ -5391,6 +5393,210 @@
 </p:sld>
 </file>
 
+<file path=ppt/slides/slide33.xml><?xml version="1.0" encoding="utf-8"?>
+<p:sld xmlns:a="http://schemas.openxmlformats.org/drawingml/2006/main" xmlns:r="http://schemas.openxmlformats.org/officeDocument/2006/relationships" xmlns:p="http://schemas.openxmlformats.org/presentationml/2006/main">
+  <p:cSld>
+    <p:spTree>
+      <p:nvGrpSpPr>
+        <p:cNvPr id="1" name=""/>
+        <p:cNvGrpSpPr/>
+        <p:nvPr/>
+      </p:nvGrpSpPr>
+      <p:grpSpPr>
+        <a:xfrm>
+          <a:off x="0" y="0"/>
+          <a:ext cx="0" cy="0"/>
+          <a:chOff x="0" y="0"/>
+          <a:chExt cx="0" cy="0"/>
+        </a:xfrm>
+      </p:grpSpPr>
+      <p:sp>
+        <p:nvSpPr>
+          <p:cNvPr id="4" name="Title 3"/>
+          <p:cNvSpPr>
+            <a:spLocks noGrp="1"/>
+          </p:cNvSpPr>
+          <p:nvPr>
+            <p:ph type="ctrTitle"/>
+          </p:nvPr>
+        </p:nvSpPr>
+        <p:spPr>
+          <a:solidFill>
+            <a:schemeClr val="tx1"/>
+          </a:solidFill>
+        </p:spPr>
+        <p:txBody>
+          <a:bodyPr/>
+          <a:lstStyle/>
+          <a:p>
+            <a:r>
+              <a:rPr lang="en-US" dirty="0" smtClean="0">
+                <a:solidFill>
+                  <a:schemeClr val="bg1"/>
+                </a:solidFill>
+              </a:rPr>
+              <a:t>Documentation</a:t>
+            </a:r>
+            <a:endParaRPr lang="en-US" dirty="0">
+              <a:solidFill>
+                <a:schemeClr val="bg1"/>
+              </a:solidFill>
+            </a:endParaRPr>
+          </a:p>
+        </p:txBody>
+      </p:sp>
+      <p:sp>
+        <p:nvSpPr>
+          <p:cNvPr id="5" name="Subtitle 4"/>
+          <p:cNvSpPr>
+            <a:spLocks noGrp="1"/>
+          </p:cNvSpPr>
+          <p:nvPr>
+            <p:ph type="subTitle" idx="1"/>
+          </p:nvPr>
+        </p:nvSpPr>
+        <p:spPr/>
+        <p:txBody>
+          <a:bodyPr/>
+          <a:lstStyle/>
+          <a:p>
+            <a:endParaRPr lang="en-US"/>
+          </a:p>
+        </p:txBody>
+      </p:sp>
+    </p:spTree>
+    <p:extLst>
+      <p:ext uri="{BB962C8B-B14F-4D97-AF65-F5344CB8AC3E}">
+        <p14:creationId xmlns:p14="http://schemas.microsoft.com/office/powerpoint/2010/main" val="2772286066"/>
+      </p:ext>
+    </p:extLst>
+  </p:cSld>
+  <p:clrMapOvr>
+    <a:masterClrMapping/>
+  </p:clrMapOvr>
+</p:sld>
+</file>
+
+<file path=ppt/slides/slide34.xml><?xml version="1.0" encoding="utf-8"?>
+<p:sld xmlns:a="http://schemas.openxmlformats.org/drawingml/2006/main" xmlns:r="http://schemas.openxmlformats.org/officeDocument/2006/relationships" xmlns:p="http://schemas.openxmlformats.org/presentationml/2006/main">
+  <p:cSld>
+    <p:spTree>
+      <p:nvGrpSpPr>
+        <p:cNvPr id="1" name=""/>
+        <p:cNvGrpSpPr/>
+        <p:nvPr/>
+      </p:nvGrpSpPr>
+      <p:grpSpPr>
+        <a:xfrm>
+          <a:off x="0" y="0"/>
+          <a:ext cx="0" cy="0"/>
+          <a:chOff x="0" y="0"/>
+          <a:chExt cx="0" cy="0"/>
+        </a:xfrm>
+      </p:grpSpPr>
+      <p:pic>
+        <p:nvPicPr>
+          <p:cNvPr id="4" name="Picture 3" descr="Screen Shot 2014-07-21 at 9.34.19 PM.png"/>
+          <p:cNvPicPr>
+            <a:picLocks noChangeAspect="1"/>
+          </p:cNvPicPr>
+          <p:nvPr/>
+        </p:nvPicPr>
+        <p:blipFill>
+          <a:blip r:embed="rId2">
+            <a:extLst>
+              <a:ext uri="{28A0092B-C50C-407E-A947-70E740481C1C}">
+                <a14:useLocalDpi xmlns:a14="http://schemas.microsoft.com/office/drawing/2010/main" val="0"/>
+              </a:ext>
+            </a:extLst>
+          </a:blip>
+          <a:stretch>
+            <a:fillRect/>
+          </a:stretch>
+        </p:blipFill>
+        <p:spPr>
+          <a:xfrm>
+            <a:off x="0" y="0"/>
+            <a:ext cx="8931600" cy="6858000"/>
+          </a:xfrm>
+          <a:prstGeom prst="rect">
+            <a:avLst/>
+          </a:prstGeom>
+        </p:spPr>
+      </p:pic>
+    </p:spTree>
+    <p:extLst>
+      <p:ext uri="{BB962C8B-B14F-4D97-AF65-F5344CB8AC3E}">
+        <p14:creationId xmlns:p14="http://schemas.microsoft.com/office/powerpoint/2010/main" val="3101543052"/>
+      </p:ext>
+    </p:extLst>
+  </p:cSld>
+  <p:clrMapOvr>
+    <a:masterClrMapping/>
+  </p:clrMapOvr>
+</p:sld>
+</file>
+
+<file path=ppt/slides/slide35.xml><?xml version="1.0" encoding="utf-8"?>
+<p:sld xmlns:a="http://schemas.openxmlformats.org/drawingml/2006/main" xmlns:r="http://schemas.openxmlformats.org/officeDocument/2006/relationships" xmlns:p="http://schemas.openxmlformats.org/presentationml/2006/main">
+  <p:cSld>
+    <p:spTree>
+      <p:nvGrpSpPr>
+        <p:cNvPr id="1" name=""/>
+        <p:cNvGrpSpPr/>
+        <p:nvPr/>
+      </p:nvGrpSpPr>
+      <p:grpSpPr>
+        <a:xfrm>
+          <a:off x="0" y="0"/>
+          <a:ext cx="0" cy="0"/>
+          <a:chOff x="0" y="0"/>
+          <a:chExt cx="0" cy="0"/>
+        </a:xfrm>
+      </p:grpSpPr>
+      <p:pic>
+        <p:nvPicPr>
+          <p:cNvPr id="4" name="Picture 3" descr="Screen Shot 2014-07-21 at 9.34.59 PM.png"/>
+          <p:cNvPicPr>
+            <a:picLocks noChangeAspect="1"/>
+          </p:cNvPicPr>
+          <p:nvPr/>
+        </p:nvPicPr>
+        <p:blipFill>
+          <a:blip r:embed="rId2">
+            <a:extLst>
+              <a:ext uri="{28A0092B-C50C-407E-A947-70E740481C1C}">
+                <a14:useLocalDpi xmlns:a14="http://schemas.microsoft.com/office/drawing/2010/main" val="0"/>
+              </a:ext>
+            </a:extLst>
+          </a:blip>
+          <a:stretch>
+            <a:fillRect/>
+          </a:stretch>
+        </p:blipFill>
+        <p:spPr>
+          <a:xfrm>
+            <a:off x="0" y="2286000"/>
+            <a:ext cx="9144000" cy="2273200"/>
+          </a:xfrm>
+          <a:prstGeom prst="rect">
+            <a:avLst/>
+          </a:prstGeom>
+        </p:spPr>
+      </p:pic>
+    </p:spTree>
+    <p:extLst>
+      <p:ext uri="{BB962C8B-B14F-4D97-AF65-F5344CB8AC3E}">
+        <p14:creationId xmlns:p14="http://schemas.microsoft.com/office/powerpoint/2010/main" val="1435069582"/>
+      </p:ext>
+    </p:extLst>
+  </p:cSld>
+  <p:clrMapOvr>
+    <a:masterClrMapping/>
+  </p:clrMapOvr>
+</p:sld>
+</file>
+
 <file path=ppt/slides/slide4.xml><?xml version="1.0" encoding="utf-8"?>
 <p:sld xmlns:a="http://schemas.openxmlformats.org/drawingml/2006/main" xmlns:r="http://schemas.openxmlformats.org/officeDocument/2006/relationships" xmlns:p="http://schemas.openxmlformats.org/presentationml/2006/main">
   <p:cSld>
@@ -5456,13 +5662,8 @@
             </a:r>
             <a:r>
               <a:rPr lang="en-US" dirty="0" smtClean="0"/>
-              <a:t> arrival times for large seismic </a:t>
-            </a:r>
-            <a:r>
-              <a:rPr lang="en-US" dirty="0" smtClean="0"/>
-              <a:t>arrays</a:t>
-            </a:r>
-            <a:endParaRPr lang="en-US" dirty="0" smtClean="0"/>
+              <a:t> arrival times for large seismic arrays</a:t>
+            </a:r>
           </a:p>
           <a:p>
             <a:r>
